--- a/OOP/lectures/090--Common.Classes.pptx
+++ b/OOP/lectures/090--Common.Classes.pptx
@@ -5,14 +5,15 @@
     <p:sldMasterId id="2147483648" r:id="rId1"/>
   </p:sldMasterIdLst>
   <p:notesMasterIdLst>
-    <p:notesMasterId r:id="rId7"/>
+    <p:notesMasterId r:id="rId8"/>
   </p:notesMasterIdLst>
   <p:sldIdLst>
     <p:sldId id="267" r:id="rId2"/>
     <p:sldId id="274" r:id="rId3"/>
-    <p:sldId id="275" r:id="rId4"/>
-    <p:sldId id="272" r:id="rId5"/>
-    <p:sldId id="268" r:id="rId6"/>
+    <p:sldId id="276" r:id="rId4"/>
+    <p:sldId id="275" r:id="rId5"/>
+    <p:sldId id="272" r:id="rId6"/>
+    <p:sldId id="268" r:id="rId7"/>
   </p:sldIdLst>
   <p:sldSz cx="9144000" cy="6858000" type="screen4x3"/>
   <p:notesSz cx="6858000" cy="9144000"/>
@@ -1010,7 +1011,7 @@
               <a:pPr>
                 <a:defRPr/>
               </a:pPr>
-              <a:t>10/28/2017</a:t>
+              <a:t>11/5/2017</a:t>
             </a:fld>
             <a:endParaRPr lang="en-US" altLang="en-US"/>
           </a:p>
@@ -1244,7 +1245,7 @@
               <a:pPr>
                 <a:defRPr/>
               </a:pPr>
-              <a:t>10/28/2017</a:t>
+              <a:t>11/5/2017</a:t>
             </a:fld>
             <a:endParaRPr lang="en-US" altLang="en-US"/>
           </a:p>
@@ -2117,7 +2118,7 @@
               <a:pPr>
                 <a:defRPr/>
               </a:pPr>
-              <a:t>10/28/2017</a:t>
+              <a:t>11/5/2017</a:t>
             </a:fld>
             <a:endParaRPr lang="en-US" altLang="en-US"/>
           </a:p>
@@ -2266,7 +2267,7 @@
               <a:pPr>
                 <a:defRPr/>
               </a:pPr>
-              <a:t>10/28/2017</a:t>
+              <a:t>11/5/2017</a:t>
             </a:fld>
             <a:endParaRPr lang="en-US" altLang="en-US"/>
           </a:p>
@@ -2597,7 +2598,7 @@
               <a:pPr>
                 <a:defRPr/>
               </a:pPr>
-              <a:t>10/28/2017</a:t>
+              <a:t>11/5/2017</a:t>
             </a:fld>
             <a:endParaRPr lang="en-US" altLang="en-US"/>
           </a:p>
@@ -2905,7 +2906,7 @@
               <a:pPr>
                 <a:defRPr/>
               </a:pPr>
-              <a:t>10/28/2017</a:t>
+              <a:t>11/5/2017</a:t>
             </a:fld>
             <a:endParaRPr lang="en-US" altLang="en-US"/>
           </a:p>
@@ -3930,28 +3931,29 @@
           <a:p>
             <a:pPr eaLnBrk="1" hangingPunct="1"/>
             <a:r>
-              <a:rPr lang="en-US" altLang="en-US" smtClean="0"/>
-              <a:t>Essential Java Concepts</a:t>
-            </a:r>
-          </a:p>
-          <a:p>
-            <a:pPr lvl="1" eaLnBrk="1" hangingPunct="1"/>
-            <a:r>
-              <a:rPr lang="en-US" altLang="en-US" smtClean="0"/>
-              <a:t>Syntax, Grammar, Formatting, .</a:t>
+              <a:rPr lang="en-US" altLang="en-US" dirty="0" smtClean="0"/>
+              <a:t>Essential </a:t>
+            </a:r>
+            <a:r>
+              <a:rPr lang="en-US" altLang="en-US" dirty="0" smtClean="0"/>
+              <a:t>Common Classes in Java</a:t>
             </a:r>
           </a:p>
           <a:p>
             <a:pPr eaLnBrk="1" hangingPunct="1"/>
             <a:r>
-              <a:rPr lang="en-US" altLang="en-US" smtClean="0"/>
-              <a:t>Today’s Practical</a:t>
+              <a:rPr lang="en-US" altLang="en-US" dirty="0" smtClean="0"/>
+              <a:t>Today’s </a:t>
+            </a:r>
+            <a:r>
+              <a:rPr lang="en-US" altLang="en-US" dirty="0" smtClean="0"/>
+              <a:t>Practical</a:t>
             </a:r>
           </a:p>
           <a:p>
             <a:pPr eaLnBrk="1" hangingPunct="1"/>
             <a:r>
-              <a:rPr lang="en-US" altLang="en-US" smtClean="0"/>
+              <a:rPr lang="en-US" altLang="en-US" dirty="0" smtClean="0"/>
               <a:t>Review/Discussion</a:t>
             </a:r>
           </a:p>
@@ -3991,7 +3993,7 @@
       </p:grpSpPr>
       <p:sp>
         <p:nvSpPr>
-          <p:cNvPr id="11266" name="Title 1"/>
+          <p:cNvPr id="2" name="Title 1"/>
           <p:cNvSpPr>
             <a:spLocks noGrp="1"/>
           </p:cNvSpPr>
@@ -4004,16 +4006,13 @@
           <a:bodyPr/>
           <a:lstStyle/>
           <a:p>
-            <a:r>
-              <a:rPr lang="en-GB" altLang="en-US" smtClean="0"/>
-              <a:t>This Week</a:t>
-            </a:r>
-          </a:p>
-        </p:txBody>
-      </p:sp>
-      <p:sp>
-        <p:nvSpPr>
-          <p:cNvPr id="11267" name="Content Placeholder 2"/>
+            <a:endParaRPr lang="en-GB"/>
+          </a:p>
+        </p:txBody>
+      </p:sp>
+      <p:sp>
+        <p:nvSpPr>
+          <p:cNvPr id="3" name="Content Placeholder 2"/>
           <p:cNvSpPr>
             <a:spLocks noGrp="1"/>
           </p:cNvSpPr>
@@ -4026,26 +4025,16 @@
           <a:bodyPr/>
           <a:lstStyle/>
           <a:p>
-            <a:r>
-              <a:rPr lang="en-GB" altLang="en-US" smtClean="0"/>
-              <a:t>Read Chapters 3, 4, 5, 6</a:t>
-            </a:r>
-          </a:p>
-          <a:p>
-            <a:r>
-              <a:rPr lang="en-GB" altLang="en-US" smtClean="0"/>
-              <a:t>Review Slides</a:t>
-            </a:r>
-          </a:p>
-          <a:p>
-            <a:r>
-              <a:rPr lang="en-GB" altLang="en-US" smtClean="0"/>
-              <a:t>Java Exercises</a:t>
-            </a:r>
+            <a:endParaRPr lang="en-GB"/>
           </a:p>
         </p:txBody>
       </p:sp>
     </p:spTree>
+    <p:extLst>
+      <p:ext uri="{BB962C8B-B14F-4D97-AF65-F5344CB8AC3E}">
+        <p14:creationId xmlns:p14="http://schemas.microsoft.com/office/powerpoint/2010/main" val="563476804"/>
+      </p:ext>
+    </p:extLst>
   </p:cSld>
   <p:clrMapOvr>
     <a:masterClrMapping/>
@@ -4072,7 +4061,7 @@
       </p:grpSpPr>
       <p:sp>
         <p:nvSpPr>
-          <p:cNvPr id="12290" name="Title 1"/>
+          <p:cNvPr id="11266" name="Title 1"/>
           <p:cNvSpPr>
             <a:spLocks noGrp="1"/>
           </p:cNvSpPr>
@@ -4087,14 +4076,14 @@
           <a:p>
             <a:r>
               <a:rPr lang="en-GB" altLang="en-US" smtClean="0"/>
-              <a:t>Summary</a:t>
-            </a:r>
-          </a:p>
-        </p:txBody>
-      </p:sp>
-      <p:sp>
-        <p:nvSpPr>
-          <p:cNvPr id="12291" name="Content Placeholder 2"/>
+              <a:t>This Week</a:t>
+            </a:r>
+          </a:p>
+        </p:txBody>
+      </p:sp>
+      <p:sp>
+        <p:nvSpPr>
+          <p:cNvPr id="11267" name="Content Placeholder 2"/>
           <p:cNvSpPr>
             <a:spLocks noGrp="1"/>
           </p:cNvSpPr>
@@ -4108,21 +4097,125 @@
           <a:lstStyle/>
           <a:p>
             <a:r>
+              <a:rPr lang="en-GB" altLang="en-US" dirty="0" smtClean="0"/>
+              <a:t>Read </a:t>
+            </a:r>
+            <a:r>
+              <a:rPr lang="en-GB" altLang="en-US" dirty="0"/>
+              <a:t>Associated </a:t>
+            </a:r>
+            <a:r>
+              <a:rPr lang="en-GB" altLang="en-US" dirty="0" smtClean="0"/>
+              <a:t>Chapters</a:t>
+            </a:r>
+            <a:endParaRPr lang="en-GB" altLang="en-US" dirty="0" smtClean="0"/>
+          </a:p>
+          <a:p>
+            <a:r>
+              <a:rPr lang="en-GB" altLang="en-US" dirty="0" smtClean="0"/>
+              <a:t>Review Slides</a:t>
+            </a:r>
+          </a:p>
+          <a:p>
+            <a:r>
+              <a:rPr lang="en-GB" altLang="en-US" dirty="0" smtClean="0"/>
+              <a:t>Java Exercises</a:t>
+            </a:r>
+          </a:p>
+        </p:txBody>
+      </p:sp>
+    </p:spTree>
+  </p:cSld>
+  <p:clrMapOvr>
+    <a:masterClrMapping/>
+  </p:clrMapOvr>
+</p:sld>
+</file>
+
+<file path=ppt/slides/slide5.xml><?xml version="1.0" encoding="utf-8"?>
+<p:sld xmlns:a="http://schemas.openxmlformats.org/drawingml/2006/main" xmlns:r="http://schemas.openxmlformats.org/officeDocument/2006/relationships" xmlns:p="http://schemas.openxmlformats.org/presentationml/2006/main">
+  <p:cSld>
+    <p:spTree>
+      <p:nvGrpSpPr>
+        <p:cNvPr id="1" name=""/>
+        <p:cNvGrpSpPr/>
+        <p:nvPr/>
+      </p:nvGrpSpPr>
+      <p:grpSpPr>
+        <a:xfrm>
+          <a:off x="0" y="0"/>
+          <a:ext cx="0" cy="0"/>
+          <a:chOff x="0" y="0"/>
+          <a:chExt cx="0" cy="0"/>
+        </a:xfrm>
+      </p:grpSpPr>
+      <p:sp>
+        <p:nvSpPr>
+          <p:cNvPr id="12290" name="Title 1"/>
+          <p:cNvSpPr>
+            <a:spLocks noGrp="1"/>
+          </p:cNvSpPr>
+          <p:nvPr>
+            <p:ph type="title"/>
+          </p:nvPr>
+        </p:nvSpPr>
+        <p:spPr/>
+        <p:txBody>
+          <a:bodyPr/>
+          <a:lstStyle/>
+          <a:p>
+            <a:r>
               <a:rPr lang="en-GB" altLang="en-US" smtClean="0"/>
-              <a:t>Overview Essential Java Principles</a:t>
-            </a:r>
-          </a:p>
-          <a:p>
+              <a:t>Summary</a:t>
+            </a:r>
+          </a:p>
+        </p:txBody>
+      </p:sp>
+      <p:sp>
+        <p:nvSpPr>
+          <p:cNvPr id="12291" name="Content Placeholder 2"/>
+          <p:cNvSpPr>
+            <a:spLocks noGrp="1"/>
+          </p:cNvSpPr>
+          <p:nvPr>
+            <p:ph idx="1"/>
+          </p:nvPr>
+        </p:nvSpPr>
+        <p:spPr/>
+        <p:txBody>
+          <a:bodyPr/>
+          <a:lstStyle/>
+          <a:p>
+            <a:r>
+              <a:rPr lang="en-GB" altLang="en-US" dirty="0" smtClean="0"/>
+              <a:t>Overview Essential Java </a:t>
+            </a:r>
+            <a:r>
+              <a:rPr lang="en-GB" altLang="en-US" dirty="0" smtClean="0"/>
+              <a:t>Classes</a:t>
+            </a:r>
+            <a:endParaRPr lang="en-GB" altLang="en-US" dirty="0" smtClean="0"/>
+          </a:p>
+          <a:p>
+            <a:r>
+              <a:rPr lang="en-GB" altLang="en-US" dirty="0" smtClean="0"/>
+              <a:t>Hands-On/Practical</a:t>
+            </a:r>
+          </a:p>
+          <a:p>
+            <a:r>
+              <a:rPr lang="en-GB" altLang="en-US" dirty="0" smtClean="0"/>
+              <a:t>Today is about </a:t>
+            </a:r>
+            <a:r>
+              <a:rPr lang="en-GB" altLang="en-US" dirty="0" smtClean="0"/>
+              <a:t>becoming familiar with Common Classes </a:t>
+            </a:r>
             <a:r>
               <a:rPr lang="en-GB" altLang="en-US" smtClean="0"/>
-              <a:t>Hands-On/Practical</a:t>
-            </a:r>
-          </a:p>
-          <a:p>
-            <a:r>
-              <a:rPr lang="en-GB" altLang="en-US" smtClean="0"/>
-              <a:t>Today is about becoming comfortable/familiar with the Java Programming Syntax</a:t>
-            </a:r>
+              <a:t>in Java</a:t>
+            </a:r>
+            <a:endParaRPr lang="en-GB" altLang="en-US" dirty="0" smtClean="0"/>
           </a:p>
         </p:txBody>
       </p:sp>
@@ -4141,7 +4234,7 @@
 </p:sld>
 </file>
 
-<file path=ppt/slides/slide5.xml><?xml version="1.0" encoding="utf-8"?>
+<file path=ppt/slides/slide6.xml><?xml version="1.0" encoding="utf-8"?>
 <p:sld xmlns:a="http://schemas.openxmlformats.org/drawingml/2006/main" xmlns:r="http://schemas.openxmlformats.org/officeDocument/2006/relationships" xmlns:p="http://schemas.openxmlformats.org/presentationml/2006/main">
   <p:cSld>
     <p:spTree>

--- a/OOP/lectures/090--Common.Classes.pptx
+++ b/OOP/lectures/090--Common.Classes.pptx
@@ -5,15 +5,39 @@
     <p:sldMasterId id="2147483648" r:id="rId1"/>
   </p:sldMasterIdLst>
   <p:notesMasterIdLst>
-    <p:notesMasterId r:id="rId8"/>
+    <p:notesMasterId r:id="rId32"/>
   </p:notesMasterIdLst>
   <p:sldIdLst>
     <p:sldId id="267" r:id="rId2"/>
-    <p:sldId id="274" r:id="rId3"/>
-    <p:sldId id="276" r:id="rId4"/>
-    <p:sldId id="275" r:id="rId5"/>
-    <p:sldId id="272" r:id="rId6"/>
-    <p:sldId id="268" r:id="rId7"/>
+    <p:sldId id="278" r:id="rId3"/>
+    <p:sldId id="274" r:id="rId4"/>
+    <p:sldId id="297" r:id="rId5"/>
+    <p:sldId id="298" r:id="rId6"/>
+    <p:sldId id="299" r:id="rId7"/>
+    <p:sldId id="300" r:id="rId8"/>
+    <p:sldId id="276" r:id="rId9"/>
+    <p:sldId id="280" r:id="rId10"/>
+    <p:sldId id="281" r:id="rId11"/>
+    <p:sldId id="282" r:id="rId12"/>
+    <p:sldId id="283" r:id="rId13"/>
+    <p:sldId id="284" r:id="rId14"/>
+    <p:sldId id="285" r:id="rId15"/>
+    <p:sldId id="286" r:id="rId16"/>
+    <p:sldId id="287" r:id="rId17"/>
+    <p:sldId id="288" r:id="rId18"/>
+    <p:sldId id="289" r:id="rId19"/>
+    <p:sldId id="290" r:id="rId20"/>
+    <p:sldId id="291" r:id="rId21"/>
+    <p:sldId id="279" r:id="rId22"/>
+    <p:sldId id="293" r:id="rId23"/>
+    <p:sldId id="294" r:id="rId24"/>
+    <p:sldId id="295" r:id="rId25"/>
+    <p:sldId id="292" r:id="rId26"/>
+    <p:sldId id="301" r:id="rId27"/>
+    <p:sldId id="275" r:id="rId28"/>
+    <p:sldId id="272" r:id="rId29"/>
+    <p:sldId id="277" r:id="rId30"/>
+    <p:sldId id="268" r:id="rId31"/>
   </p:sldIdLst>
   <p:sldSz cx="9144000" cy="6858000" type="screen4x3"/>
   <p:notesSz cx="6858000" cy="9144000"/>
@@ -1011,7 +1035,7 @@
               <a:pPr>
                 <a:defRPr/>
               </a:pPr>
-              <a:t>11/5/2017</a:t>
+              <a:t>11/19/2017</a:t>
             </a:fld>
             <a:endParaRPr lang="en-US" altLang="en-US"/>
           </a:p>
@@ -1245,7 +1269,7 @@
               <a:pPr>
                 <a:defRPr/>
               </a:pPr>
-              <a:t>11/5/2017</a:t>
+              <a:t>11/19/2017</a:t>
             </a:fld>
             <a:endParaRPr lang="en-US" altLang="en-US"/>
           </a:p>
@@ -2118,7 +2142,7 @@
               <a:pPr>
                 <a:defRPr/>
               </a:pPr>
-              <a:t>11/5/2017</a:t>
+              <a:t>11/19/2017</a:t>
             </a:fld>
             <a:endParaRPr lang="en-US" altLang="en-US"/>
           </a:p>
@@ -2267,7 +2291,7 @@
               <a:pPr>
                 <a:defRPr/>
               </a:pPr>
-              <a:t>11/5/2017</a:t>
+              <a:t>11/19/2017</a:t>
             </a:fld>
             <a:endParaRPr lang="en-US" altLang="en-US"/>
           </a:p>
@@ -2598,7 +2622,7 @@
               <a:pPr>
                 <a:defRPr/>
               </a:pPr>
-              <a:t>11/5/2017</a:t>
+              <a:t>11/19/2017</a:t>
             </a:fld>
             <a:endParaRPr lang="en-US" altLang="en-US"/>
           </a:p>
@@ -2906,7 +2930,7 @@
               <a:pPr>
                 <a:defRPr/>
               </a:pPr>
-              <a:t>11/5/2017</a:t>
+              <a:t>11/19/2017</a:t>
             </a:fld>
             <a:endParaRPr lang="en-US" altLang="en-US"/>
           </a:p>
@@ -3869,6 +3893,1142 @@
 </p:sld>
 </file>
 
+<file path=ppt/slides/slide10.xml><?xml version="1.0" encoding="utf-8"?>
+<p:sld xmlns:a="http://schemas.openxmlformats.org/drawingml/2006/main" xmlns:r="http://schemas.openxmlformats.org/officeDocument/2006/relationships" xmlns:p="http://schemas.openxmlformats.org/presentationml/2006/main">
+  <p:cSld>
+    <p:spTree>
+      <p:nvGrpSpPr>
+        <p:cNvPr id="1" name=""/>
+        <p:cNvGrpSpPr/>
+        <p:nvPr/>
+      </p:nvGrpSpPr>
+      <p:grpSpPr>
+        <a:xfrm>
+          <a:off x="0" y="0"/>
+          <a:ext cx="0" cy="0"/>
+          <a:chOff x="0" y="0"/>
+          <a:chExt cx="0" cy="0"/>
+        </a:xfrm>
+      </p:grpSpPr>
+      <p:sp>
+        <p:nvSpPr>
+          <p:cNvPr id="2" name="Title 1"/>
+          <p:cNvSpPr>
+            <a:spLocks noGrp="1"/>
+          </p:cNvSpPr>
+          <p:nvPr>
+            <p:ph type="title"/>
+          </p:nvPr>
+        </p:nvSpPr>
+        <p:spPr>
+          <a:xfrm>
+            <a:off x="685800" y="152400"/>
+            <a:ext cx="7772400" cy="1143000"/>
+          </a:xfrm>
+        </p:spPr>
+        <p:txBody>
+          <a:bodyPr/>
+          <a:lstStyle/>
+          <a:p>
+            <a:r>
+              <a:rPr lang="en-GB" dirty="0"/>
+              <a:t>The Stream </a:t>
+            </a:r>
+            <a:r>
+              <a:rPr lang="en-GB" dirty="0" smtClean="0"/>
+              <a:t>Concept</a:t>
+            </a:r>
+            <a:endParaRPr lang="en-GB" dirty="0"/>
+          </a:p>
+        </p:txBody>
+      </p:sp>
+      <p:sp>
+        <p:nvSpPr>
+          <p:cNvPr id="3" name="Content Placeholder 2"/>
+          <p:cNvSpPr>
+            <a:spLocks noGrp="1"/>
+          </p:cNvSpPr>
+          <p:nvPr>
+            <p:ph idx="1"/>
+          </p:nvPr>
+        </p:nvSpPr>
+        <p:spPr>
+          <a:xfrm>
+            <a:off x="719667" y="1447800"/>
+            <a:ext cx="7772400" cy="4114800"/>
+          </a:xfrm>
+        </p:spPr>
+        <p:txBody>
+          <a:bodyPr/>
+          <a:lstStyle/>
+          <a:p>
+            <a:r>
+              <a:rPr lang="en-GB" dirty="0"/>
+              <a:t>A stream is a sequential source of information used to </a:t>
+            </a:r>
+            <a:r>
+              <a:rPr lang="en-GB" dirty="0" smtClean="0"/>
+              <a:t>transfer information </a:t>
+            </a:r>
+            <a:r>
+              <a:rPr lang="en-GB" dirty="0"/>
+              <a:t>from one source to another</a:t>
+            </a:r>
+          </a:p>
+        </p:txBody>
+      </p:sp>
+      <p:pic>
+        <p:nvPicPr>
+          <p:cNvPr id="4" name="Picture 3"/>
+          <p:cNvPicPr>
+            <a:picLocks noChangeAspect="1"/>
+          </p:cNvPicPr>
+          <p:nvPr/>
+        </p:nvPicPr>
+        <p:blipFill rotWithShape="1">
+          <a:blip r:embed="rId2"/>
+          <a:srcRect b="58440"/>
+          <a:stretch/>
+        </p:blipFill>
+        <p:spPr>
+          <a:xfrm>
+            <a:off x="694267" y="3048000"/>
+            <a:ext cx="7772400" cy="1905000"/>
+          </a:xfrm>
+          <a:prstGeom prst="rect">
+            <a:avLst/>
+          </a:prstGeom>
+        </p:spPr>
+      </p:pic>
+      <p:pic>
+        <p:nvPicPr>
+          <p:cNvPr id="5" name="Picture 4"/>
+          <p:cNvPicPr>
+            <a:picLocks noChangeAspect="1"/>
+          </p:cNvPicPr>
+          <p:nvPr/>
+        </p:nvPicPr>
+        <p:blipFill rotWithShape="1">
+          <a:blip r:embed="rId2"/>
+          <a:srcRect t="63171"/>
+          <a:stretch/>
+        </p:blipFill>
+        <p:spPr>
+          <a:xfrm>
+            <a:off x="668867" y="5014871"/>
+            <a:ext cx="7772400" cy="1688123"/>
+          </a:xfrm>
+          <a:prstGeom prst="rect">
+            <a:avLst/>
+          </a:prstGeom>
+        </p:spPr>
+      </p:pic>
+    </p:spTree>
+    <p:extLst>
+      <p:ext uri="{BB962C8B-B14F-4D97-AF65-F5344CB8AC3E}">
+        <p14:creationId xmlns:p14="http://schemas.microsoft.com/office/powerpoint/2010/main" val="2748069954"/>
+      </p:ext>
+    </p:extLst>
+  </p:cSld>
+  <p:clrMapOvr>
+    <a:masterClrMapping/>
+  </p:clrMapOvr>
+</p:sld>
+</file>
+
+<file path=ppt/slides/slide11.xml><?xml version="1.0" encoding="utf-8"?>
+<p:sld xmlns:a="http://schemas.openxmlformats.org/drawingml/2006/main" xmlns:r="http://schemas.openxmlformats.org/officeDocument/2006/relationships" xmlns:p="http://schemas.openxmlformats.org/presentationml/2006/main">
+  <p:cSld>
+    <p:spTree>
+      <p:nvGrpSpPr>
+        <p:cNvPr id="1" name=""/>
+        <p:cNvGrpSpPr/>
+        <p:nvPr/>
+      </p:nvGrpSpPr>
+      <p:grpSpPr>
+        <a:xfrm>
+          <a:off x="0" y="0"/>
+          <a:ext cx="0" cy="0"/>
+          <a:chOff x="0" y="0"/>
+          <a:chExt cx="0" cy="0"/>
+        </a:xfrm>
+      </p:grpSpPr>
+      <p:sp>
+        <p:nvSpPr>
+          <p:cNvPr id="2" name="Title 1"/>
+          <p:cNvSpPr>
+            <a:spLocks noGrp="1"/>
+          </p:cNvSpPr>
+          <p:nvPr>
+            <p:ph type="title"/>
+          </p:nvPr>
+        </p:nvSpPr>
+        <p:spPr/>
+        <p:txBody>
+          <a:bodyPr/>
+          <a:lstStyle/>
+          <a:p>
+            <a:r>
+              <a:rPr lang="en-GB" dirty="0"/>
+              <a:t>Streams in Java</a:t>
+            </a:r>
+          </a:p>
+        </p:txBody>
+      </p:sp>
+      <p:sp>
+        <p:nvSpPr>
+          <p:cNvPr id="3" name="Content Placeholder 2"/>
+          <p:cNvSpPr>
+            <a:spLocks noGrp="1"/>
+          </p:cNvSpPr>
+          <p:nvPr>
+            <p:ph idx="1"/>
+          </p:nvPr>
+        </p:nvSpPr>
+        <p:spPr/>
+        <p:txBody>
+          <a:bodyPr>
+            <a:normAutofit fontScale="92500"/>
+          </a:bodyPr>
+          <a:lstStyle/>
+          <a:p>
+            <a:r>
+              <a:rPr lang="en-GB" dirty="0"/>
+              <a:t>There is a huge (and complicated) hierarchy of stream classes </a:t>
+            </a:r>
+            <a:r>
+              <a:rPr lang="en-GB" dirty="0" smtClean="0"/>
+              <a:t>in Java</a:t>
+            </a:r>
+            <a:endParaRPr lang="en-GB" dirty="0"/>
+          </a:p>
+          <a:p>
+            <a:r>
+              <a:rPr lang="en-GB" dirty="0" smtClean="0"/>
+              <a:t>Overview </a:t>
+            </a:r>
+            <a:r>
+              <a:rPr lang="en-GB" dirty="0"/>
+              <a:t>of the stream hierarchy</a:t>
+            </a:r>
+          </a:p>
+          <a:p>
+            <a:pPr lvl="1"/>
+            <a:r>
+              <a:rPr lang="en-GB" dirty="0" smtClean="0"/>
+              <a:t>Reader</a:t>
+            </a:r>
+            <a:r>
+              <a:rPr lang="en-GB" dirty="0"/>
+              <a:t>, root in </a:t>
+            </a:r>
+            <a:r>
+              <a:rPr lang="en-GB" dirty="0" err="1"/>
+              <a:t>unicode</a:t>
+            </a:r>
+            <a:r>
+              <a:rPr lang="en-GB" dirty="0"/>
+              <a:t> input hierarchy</a:t>
+            </a:r>
+          </a:p>
+          <a:p>
+            <a:pPr lvl="1"/>
+            <a:r>
+              <a:rPr lang="en-GB" dirty="0" smtClean="0"/>
+              <a:t>Writer</a:t>
+            </a:r>
+            <a:r>
+              <a:rPr lang="en-GB" dirty="0"/>
+              <a:t>, root in </a:t>
+            </a:r>
+            <a:r>
+              <a:rPr lang="en-GB" dirty="0" err="1"/>
+              <a:t>unicode</a:t>
+            </a:r>
+            <a:r>
+              <a:rPr lang="en-GB" dirty="0"/>
+              <a:t> output hierarchy</a:t>
+            </a:r>
+          </a:p>
+          <a:p>
+            <a:pPr lvl="1"/>
+            <a:r>
+              <a:rPr lang="en-GB" dirty="0" err="1" smtClean="0"/>
+              <a:t>InputStream</a:t>
+            </a:r>
+            <a:r>
+              <a:rPr lang="en-GB" dirty="0"/>
+              <a:t>, root in binary input hierarchy</a:t>
+            </a:r>
+          </a:p>
+          <a:p>
+            <a:pPr lvl="1"/>
+            <a:r>
+              <a:rPr lang="en-GB" dirty="0" err="1" smtClean="0"/>
+              <a:t>OutputStream</a:t>
+            </a:r>
+            <a:r>
+              <a:rPr lang="en-GB" dirty="0"/>
+              <a:t>, root in binary output hierarchy</a:t>
+            </a:r>
+          </a:p>
+          <a:p>
+            <a:r>
+              <a:rPr lang="en-GB" dirty="0" smtClean="0"/>
+              <a:t>All </a:t>
+            </a:r>
+            <a:r>
+              <a:rPr lang="en-GB" dirty="0"/>
+              <a:t>abstract classes</a:t>
+            </a:r>
+          </a:p>
+        </p:txBody>
+      </p:sp>
+    </p:spTree>
+    <p:extLst>
+      <p:ext uri="{BB962C8B-B14F-4D97-AF65-F5344CB8AC3E}">
+        <p14:creationId xmlns:p14="http://schemas.microsoft.com/office/powerpoint/2010/main" val="2967648022"/>
+      </p:ext>
+    </p:extLst>
+  </p:cSld>
+  <p:clrMapOvr>
+    <a:masterClrMapping/>
+  </p:clrMapOvr>
+</p:sld>
+</file>
+
+<file path=ppt/slides/slide12.xml><?xml version="1.0" encoding="utf-8"?>
+<p:sld xmlns:a="http://schemas.openxmlformats.org/drawingml/2006/main" xmlns:r="http://schemas.openxmlformats.org/officeDocument/2006/relationships" xmlns:p="http://schemas.openxmlformats.org/presentationml/2006/main">
+  <p:cSld>
+    <p:spTree>
+      <p:nvGrpSpPr>
+        <p:cNvPr id="1" name=""/>
+        <p:cNvGrpSpPr/>
+        <p:nvPr/>
+      </p:nvGrpSpPr>
+      <p:grpSpPr>
+        <a:xfrm>
+          <a:off x="0" y="0"/>
+          <a:ext cx="0" cy="0"/>
+          <a:chOff x="0" y="0"/>
+          <a:chExt cx="0" cy="0"/>
+        </a:xfrm>
+      </p:grpSpPr>
+      <p:sp>
+        <p:nvSpPr>
+          <p:cNvPr id="2" name="Title 1"/>
+          <p:cNvSpPr>
+            <a:spLocks noGrp="1"/>
+          </p:cNvSpPr>
+          <p:nvPr>
+            <p:ph type="title"/>
+          </p:nvPr>
+        </p:nvSpPr>
+        <p:spPr>
+          <a:xfrm>
+            <a:off x="414867" y="152400"/>
+            <a:ext cx="7772400" cy="1143000"/>
+          </a:xfrm>
+        </p:spPr>
+        <p:txBody>
+          <a:bodyPr/>
+          <a:lstStyle/>
+          <a:p>
+            <a:r>
+              <a:rPr lang="en-GB" dirty="0" err="1"/>
+              <a:t>InputStream</a:t>
+            </a:r>
+            <a:r>
+              <a:rPr lang="en-GB" dirty="0"/>
+              <a:t> Hierarchy</a:t>
+            </a:r>
+          </a:p>
+        </p:txBody>
+      </p:sp>
+      <p:sp>
+        <p:nvSpPr>
+          <p:cNvPr id="3" name="Content Placeholder 2"/>
+          <p:cNvSpPr>
+            <a:spLocks noGrp="1"/>
+          </p:cNvSpPr>
+          <p:nvPr>
+            <p:ph idx="1"/>
+          </p:nvPr>
+        </p:nvSpPr>
+        <p:spPr/>
+        <p:txBody>
+          <a:bodyPr/>
+          <a:lstStyle/>
+          <a:p>
+            <a:endParaRPr lang="en-GB"/>
+          </a:p>
+        </p:txBody>
+      </p:sp>
+      <p:pic>
+        <p:nvPicPr>
+          <p:cNvPr id="4" name="Picture 3"/>
+          <p:cNvPicPr>
+            <a:picLocks noChangeAspect="1"/>
+          </p:cNvPicPr>
+          <p:nvPr/>
+        </p:nvPicPr>
+        <p:blipFill>
+          <a:blip r:embed="rId2"/>
+          <a:stretch>
+            <a:fillRect/>
+          </a:stretch>
+        </p:blipFill>
+        <p:spPr>
+          <a:xfrm>
+            <a:off x="381000" y="1219200"/>
+            <a:ext cx="8534400" cy="5339187"/>
+          </a:xfrm>
+          <a:prstGeom prst="rect">
+            <a:avLst/>
+          </a:prstGeom>
+        </p:spPr>
+      </p:pic>
+    </p:spTree>
+    <p:extLst>
+      <p:ext uri="{BB962C8B-B14F-4D97-AF65-F5344CB8AC3E}">
+        <p14:creationId xmlns:p14="http://schemas.microsoft.com/office/powerpoint/2010/main" val="697818459"/>
+      </p:ext>
+    </p:extLst>
+  </p:cSld>
+  <p:clrMapOvr>
+    <a:masterClrMapping/>
+  </p:clrMapOvr>
+</p:sld>
+</file>
+
+<file path=ppt/slides/slide13.xml><?xml version="1.0" encoding="utf-8"?>
+<p:sld xmlns:a="http://schemas.openxmlformats.org/drawingml/2006/main" xmlns:r="http://schemas.openxmlformats.org/officeDocument/2006/relationships" xmlns:p="http://schemas.openxmlformats.org/presentationml/2006/main">
+  <p:cSld>
+    <p:spTree>
+      <p:nvGrpSpPr>
+        <p:cNvPr id="1" name=""/>
+        <p:cNvGrpSpPr/>
+        <p:nvPr/>
+      </p:nvGrpSpPr>
+      <p:grpSpPr>
+        <a:xfrm>
+          <a:off x="0" y="0"/>
+          <a:ext cx="0" cy="0"/>
+          <a:chOff x="0" y="0"/>
+          <a:chExt cx="0" cy="0"/>
+        </a:xfrm>
+      </p:grpSpPr>
+      <p:sp>
+        <p:nvSpPr>
+          <p:cNvPr id="2" name="Title 1"/>
+          <p:cNvSpPr>
+            <a:spLocks noGrp="1"/>
+          </p:cNvSpPr>
+          <p:nvPr>
+            <p:ph type="title"/>
+          </p:nvPr>
+        </p:nvSpPr>
+        <p:spPr>
+          <a:xfrm>
+            <a:off x="685800" y="381000"/>
+            <a:ext cx="7772400" cy="1143000"/>
+          </a:xfrm>
+        </p:spPr>
+        <p:txBody>
+          <a:bodyPr/>
+          <a:lstStyle/>
+          <a:p>
+            <a:r>
+              <a:rPr lang="en-GB" dirty="0" err="1"/>
+              <a:t>OutputStream</a:t>
+            </a:r>
+            <a:r>
+              <a:rPr lang="en-GB" dirty="0"/>
+              <a:t> Hierarchy</a:t>
+            </a:r>
+          </a:p>
+        </p:txBody>
+      </p:sp>
+      <p:sp>
+        <p:nvSpPr>
+          <p:cNvPr id="3" name="Content Placeholder 2"/>
+          <p:cNvSpPr>
+            <a:spLocks noGrp="1"/>
+          </p:cNvSpPr>
+          <p:nvPr>
+            <p:ph idx="1"/>
+          </p:nvPr>
+        </p:nvSpPr>
+        <p:spPr/>
+        <p:txBody>
+          <a:bodyPr/>
+          <a:lstStyle/>
+          <a:p>
+            <a:endParaRPr lang="en-GB"/>
+          </a:p>
+        </p:txBody>
+      </p:sp>
+      <p:pic>
+        <p:nvPicPr>
+          <p:cNvPr id="4" name="Picture 3"/>
+          <p:cNvPicPr>
+            <a:picLocks noChangeAspect="1"/>
+          </p:cNvPicPr>
+          <p:nvPr/>
+        </p:nvPicPr>
+        <p:blipFill>
+          <a:blip r:embed="rId2"/>
+          <a:stretch>
+            <a:fillRect/>
+          </a:stretch>
+        </p:blipFill>
+        <p:spPr>
+          <a:xfrm>
+            <a:off x="228600" y="1676400"/>
+            <a:ext cx="8686800" cy="4308429"/>
+          </a:xfrm>
+          <a:prstGeom prst="rect">
+            <a:avLst/>
+          </a:prstGeom>
+        </p:spPr>
+      </p:pic>
+    </p:spTree>
+    <p:extLst>
+      <p:ext uri="{BB962C8B-B14F-4D97-AF65-F5344CB8AC3E}">
+        <p14:creationId xmlns:p14="http://schemas.microsoft.com/office/powerpoint/2010/main" val="1387928581"/>
+      </p:ext>
+    </p:extLst>
+  </p:cSld>
+  <p:clrMapOvr>
+    <a:masterClrMapping/>
+  </p:clrMapOvr>
+</p:sld>
+</file>
+
+<file path=ppt/slides/slide14.xml><?xml version="1.0" encoding="utf-8"?>
+<p:sld xmlns:a="http://schemas.openxmlformats.org/drawingml/2006/main" xmlns:r="http://schemas.openxmlformats.org/officeDocument/2006/relationships" xmlns:p="http://schemas.openxmlformats.org/presentationml/2006/main">
+  <p:cSld>
+    <p:spTree>
+      <p:nvGrpSpPr>
+        <p:cNvPr id="1" name=""/>
+        <p:cNvGrpSpPr/>
+        <p:nvPr/>
+      </p:nvGrpSpPr>
+      <p:grpSpPr>
+        <a:xfrm>
+          <a:off x="0" y="0"/>
+          <a:ext cx="0" cy="0"/>
+          <a:chOff x="0" y="0"/>
+          <a:chExt cx="0" cy="0"/>
+        </a:xfrm>
+      </p:grpSpPr>
+      <p:sp>
+        <p:nvSpPr>
+          <p:cNvPr id="2" name="Title 1"/>
+          <p:cNvSpPr>
+            <a:spLocks noGrp="1"/>
+          </p:cNvSpPr>
+          <p:nvPr>
+            <p:ph type="title"/>
+          </p:nvPr>
+        </p:nvSpPr>
+        <p:spPr>
+          <a:xfrm>
+            <a:off x="533400" y="76200"/>
+            <a:ext cx="7772400" cy="1143000"/>
+          </a:xfrm>
+        </p:spPr>
+        <p:txBody>
+          <a:bodyPr/>
+          <a:lstStyle/>
+          <a:p>
+            <a:r>
+              <a:rPr lang="en-GB" dirty="0" err="1"/>
+              <a:t>InputStream</a:t>
+            </a:r>
+            <a:r>
+              <a:rPr lang="en-GB" dirty="0"/>
+              <a:t> Types</a:t>
+            </a:r>
+          </a:p>
+        </p:txBody>
+      </p:sp>
+      <p:sp>
+        <p:nvSpPr>
+          <p:cNvPr id="3" name="Content Placeholder 2"/>
+          <p:cNvSpPr>
+            <a:spLocks noGrp="1"/>
+          </p:cNvSpPr>
+          <p:nvPr>
+            <p:ph idx="1"/>
+          </p:nvPr>
+        </p:nvSpPr>
+        <p:spPr/>
+        <p:txBody>
+          <a:bodyPr/>
+          <a:lstStyle/>
+          <a:p>
+            <a:endParaRPr lang="en-GB"/>
+          </a:p>
+        </p:txBody>
+      </p:sp>
+      <p:pic>
+        <p:nvPicPr>
+          <p:cNvPr id="4" name="Picture 3"/>
+          <p:cNvPicPr>
+            <a:picLocks noChangeAspect="1"/>
+          </p:cNvPicPr>
+          <p:nvPr/>
+        </p:nvPicPr>
+        <p:blipFill>
+          <a:blip r:embed="rId2"/>
+          <a:stretch>
+            <a:fillRect/>
+          </a:stretch>
+        </p:blipFill>
+        <p:spPr>
+          <a:xfrm>
+            <a:off x="0" y="1600200"/>
+            <a:ext cx="9144000" cy="4161740"/>
+          </a:xfrm>
+          <a:prstGeom prst="rect">
+            <a:avLst/>
+          </a:prstGeom>
+        </p:spPr>
+      </p:pic>
+    </p:spTree>
+    <p:extLst>
+      <p:ext uri="{BB962C8B-B14F-4D97-AF65-F5344CB8AC3E}">
+        <p14:creationId xmlns:p14="http://schemas.microsoft.com/office/powerpoint/2010/main" val="2170526368"/>
+      </p:ext>
+    </p:extLst>
+  </p:cSld>
+  <p:clrMapOvr>
+    <a:masterClrMapping/>
+  </p:clrMapOvr>
+</p:sld>
+</file>
+
+<file path=ppt/slides/slide15.xml><?xml version="1.0" encoding="utf-8"?>
+<p:sld xmlns:a="http://schemas.openxmlformats.org/drawingml/2006/main" xmlns:r="http://schemas.openxmlformats.org/officeDocument/2006/relationships" xmlns:p="http://schemas.openxmlformats.org/presentationml/2006/main">
+  <p:cSld>
+    <p:spTree>
+      <p:nvGrpSpPr>
+        <p:cNvPr id="1" name=""/>
+        <p:cNvGrpSpPr/>
+        <p:nvPr/>
+      </p:nvGrpSpPr>
+      <p:grpSpPr>
+        <a:xfrm>
+          <a:off x="0" y="0"/>
+          <a:ext cx="0" cy="0"/>
+          <a:chOff x="0" y="0"/>
+          <a:chExt cx="0" cy="0"/>
+        </a:xfrm>
+      </p:grpSpPr>
+      <p:sp>
+        <p:nvSpPr>
+          <p:cNvPr id="2" name="Title 1"/>
+          <p:cNvSpPr>
+            <a:spLocks noGrp="1"/>
+          </p:cNvSpPr>
+          <p:nvPr>
+            <p:ph type="title"/>
+          </p:nvPr>
+        </p:nvSpPr>
+        <p:spPr>
+          <a:xfrm>
+            <a:off x="685800" y="228600"/>
+            <a:ext cx="7772400" cy="1143000"/>
+          </a:xfrm>
+        </p:spPr>
+        <p:txBody>
+          <a:bodyPr/>
+          <a:lstStyle/>
+          <a:p>
+            <a:r>
+              <a:rPr lang="en-GB" dirty="0" err="1"/>
+              <a:t>OutputStream</a:t>
+            </a:r>
+            <a:r>
+              <a:rPr lang="en-GB" dirty="0"/>
+              <a:t> Types</a:t>
+            </a:r>
+          </a:p>
+        </p:txBody>
+      </p:sp>
+      <p:sp>
+        <p:nvSpPr>
+          <p:cNvPr id="3" name="Content Placeholder 2"/>
+          <p:cNvSpPr>
+            <a:spLocks noGrp="1"/>
+          </p:cNvSpPr>
+          <p:nvPr>
+            <p:ph idx="1"/>
+          </p:nvPr>
+        </p:nvSpPr>
+        <p:spPr/>
+        <p:txBody>
+          <a:bodyPr/>
+          <a:lstStyle/>
+          <a:p>
+            <a:endParaRPr lang="en-GB"/>
+          </a:p>
+        </p:txBody>
+      </p:sp>
+      <p:pic>
+        <p:nvPicPr>
+          <p:cNvPr id="4" name="Picture 3"/>
+          <p:cNvPicPr>
+            <a:picLocks noChangeAspect="1"/>
+          </p:cNvPicPr>
+          <p:nvPr/>
+        </p:nvPicPr>
+        <p:blipFill>
+          <a:blip r:embed="rId2"/>
+          <a:stretch>
+            <a:fillRect/>
+          </a:stretch>
+        </p:blipFill>
+        <p:spPr>
+          <a:xfrm>
+            <a:off x="-16933" y="2320372"/>
+            <a:ext cx="9008533" cy="2285747"/>
+          </a:xfrm>
+          <a:prstGeom prst="rect">
+            <a:avLst/>
+          </a:prstGeom>
+        </p:spPr>
+      </p:pic>
+    </p:spTree>
+    <p:extLst>
+      <p:ext uri="{BB962C8B-B14F-4D97-AF65-F5344CB8AC3E}">
+        <p14:creationId xmlns:p14="http://schemas.microsoft.com/office/powerpoint/2010/main" val="809761530"/>
+      </p:ext>
+    </p:extLst>
+  </p:cSld>
+  <p:clrMapOvr>
+    <a:masterClrMapping/>
+  </p:clrMapOvr>
+</p:sld>
+</file>
+
+<file path=ppt/slides/slide16.xml><?xml version="1.0" encoding="utf-8"?>
+<p:sld xmlns:a="http://schemas.openxmlformats.org/drawingml/2006/main" xmlns:r="http://schemas.openxmlformats.org/officeDocument/2006/relationships" xmlns:p="http://schemas.openxmlformats.org/presentationml/2006/main">
+  <p:cSld>
+    <p:spTree>
+      <p:nvGrpSpPr>
+        <p:cNvPr id="1" name=""/>
+        <p:cNvGrpSpPr/>
+        <p:nvPr/>
+      </p:nvGrpSpPr>
+      <p:grpSpPr>
+        <a:xfrm>
+          <a:off x="0" y="0"/>
+          <a:ext cx="0" cy="0"/>
+          <a:chOff x="0" y="0"/>
+          <a:chExt cx="0" cy="0"/>
+        </a:xfrm>
+      </p:grpSpPr>
+      <p:sp>
+        <p:nvSpPr>
+          <p:cNvPr id="2" name="Title 1"/>
+          <p:cNvSpPr>
+            <a:spLocks noGrp="1"/>
+          </p:cNvSpPr>
+          <p:nvPr>
+            <p:ph type="title"/>
+          </p:nvPr>
+        </p:nvSpPr>
+        <p:spPr/>
+        <p:txBody>
+          <a:bodyPr/>
+          <a:lstStyle/>
+          <a:p>
+            <a:r>
+              <a:rPr lang="en-GB" dirty="0" err="1"/>
+              <a:t>OutputStream</a:t>
+            </a:r>
+            <a:r>
+              <a:rPr lang="en-GB" dirty="0"/>
+              <a:t>, Example</a:t>
+            </a:r>
+          </a:p>
+        </p:txBody>
+      </p:sp>
+      <p:sp>
+        <p:nvSpPr>
+          <p:cNvPr id="3" name="Content Placeholder 2"/>
+          <p:cNvSpPr>
+            <a:spLocks noGrp="1"/>
+          </p:cNvSpPr>
+          <p:nvPr>
+            <p:ph idx="1"/>
+          </p:nvPr>
+        </p:nvSpPr>
+        <p:spPr/>
+        <p:txBody>
+          <a:bodyPr/>
+          <a:lstStyle/>
+          <a:p>
+            <a:endParaRPr lang="en-GB"/>
+          </a:p>
+        </p:txBody>
+      </p:sp>
+      <p:pic>
+        <p:nvPicPr>
+          <p:cNvPr id="4" name="Picture 3"/>
+          <p:cNvPicPr>
+            <a:picLocks noChangeAspect="1"/>
+          </p:cNvPicPr>
+          <p:nvPr/>
+        </p:nvPicPr>
+        <p:blipFill>
+          <a:blip r:embed="rId2"/>
+          <a:stretch>
+            <a:fillRect/>
+          </a:stretch>
+        </p:blipFill>
+        <p:spPr>
+          <a:xfrm>
+            <a:off x="0" y="2100750"/>
+            <a:ext cx="9144000" cy="3875700"/>
+          </a:xfrm>
+          <a:prstGeom prst="rect">
+            <a:avLst/>
+          </a:prstGeom>
+        </p:spPr>
+      </p:pic>
+    </p:spTree>
+    <p:extLst>
+      <p:ext uri="{BB962C8B-B14F-4D97-AF65-F5344CB8AC3E}">
+        <p14:creationId xmlns:p14="http://schemas.microsoft.com/office/powerpoint/2010/main" val="696269364"/>
+      </p:ext>
+    </p:extLst>
+  </p:cSld>
+  <p:clrMapOvr>
+    <a:masterClrMapping/>
+  </p:clrMapOvr>
+</p:sld>
+</file>
+
+<file path=ppt/slides/slide17.xml><?xml version="1.0" encoding="utf-8"?>
+<p:sld xmlns:a="http://schemas.openxmlformats.org/drawingml/2006/main" xmlns:r="http://schemas.openxmlformats.org/officeDocument/2006/relationships" xmlns:p="http://schemas.openxmlformats.org/presentationml/2006/main">
+  <p:cSld>
+    <p:spTree>
+      <p:nvGrpSpPr>
+        <p:cNvPr id="1" name=""/>
+        <p:cNvGrpSpPr/>
+        <p:nvPr/>
+      </p:nvGrpSpPr>
+      <p:grpSpPr>
+        <a:xfrm>
+          <a:off x="0" y="0"/>
+          <a:ext cx="0" cy="0"/>
+          <a:chOff x="0" y="0"/>
+          <a:chExt cx="0" cy="0"/>
+        </a:xfrm>
+      </p:grpSpPr>
+      <p:sp>
+        <p:nvSpPr>
+          <p:cNvPr id="2" name="Title 1"/>
+          <p:cNvSpPr>
+            <a:spLocks noGrp="1"/>
+          </p:cNvSpPr>
+          <p:nvPr>
+            <p:ph type="title"/>
+          </p:nvPr>
+        </p:nvSpPr>
+        <p:spPr>
+          <a:xfrm>
+            <a:off x="685800" y="0"/>
+            <a:ext cx="7772400" cy="1143000"/>
+          </a:xfrm>
+        </p:spPr>
+        <p:txBody>
+          <a:bodyPr/>
+          <a:lstStyle/>
+          <a:p>
+            <a:r>
+              <a:rPr lang="en-GB" dirty="0" err="1"/>
+              <a:t>OutputStream</a:t>
+            </a:r>
+            <a:r>
+              <a:rPr lang="en-GB" dirty="0"/>
+              <a:t>, Example, cont.</a:t>
+            </a:r>
+          </a:p>
+        </p:txBody>
+      </p:sp>
+      <p:sp>
+        <p:nvSpPr>
+          <p:cNvPr id="3" name="Content Placeholder 2"/>
+          <p:cNvSpPr>
+            <a:spLocks noGrp="1"/>
+          </p:cNvSpPr>
+          <p:nvPr>
+            <p:ph idx="1"/>
+          </p:nvPr>
+        </p:nvSpPr>
+        <p:spPr/>
+        <p:txBody>
+          <a:bodyPr/>
+          <a:lstStyle/>
+          <a:p>
+            <a:endParaRPr lang="en-GB"/>
+          </a:p>
+        </p:txBody>
+      </p:sp>
+      <p:pic>
+        <p:nvPicPr>
+          <p:cNvPr id="5" name="Picture 4"/>
+          <p:cNvPicPr>
+            <a:picLocks noChangeAspect="1"/>
+          </p:cNvPicPr>
+          <p:nvPr/>
+        </p:nvPicPr>
+        <p:blipFill>
+          <a:blip r:embed="rId2"/>
+          <a:stretch>
+            <a:fillRect/>
+          </a:stretch>
+        </p:blipFill>
+        <p:spPr>
+          <a:xfrm>
+            <a:off x="228600" y="1134533"/>
+            <a:ext cx="8534400" cy="5427822"/>
+          </a:xfrm>
+          <a:prstGeom prst="rect">
+            <a:avLst/>
+          </a:prstGeom>
+        </p:spPr>
+      </p:pic>
+    </p:spTree>
+    <p:extLst>
+      <p:ext uri="{BB962C8B-B14F-4D97-AF65-F5344CB8AC3E}">
+        <p14:creationId xmlns:p14="http://schemas.microsoft.com/office/powerpoint/2010/main" val="3309348516"/>
+      </p:ext>
+    </p:extLst>
+  </p:cSld>
+  <p:clrMapOvr>
+    <a:masterClrMapping/>
+  </p:clrMapOvr>
+</p:sld>
+</file>
+
+<file path=ppt/slides/slide18.xml><?xml version="1.0" encoding="utf-8"?>
+<p:sld xmlns:a="http://schemas.openxmlformats.org/drawingml/2006/main" xmlns:r="http://schemas.openxmlformats.org/officeDocument/2006/relationships" xmlns:p="http://schemas.openxmlformats.org/presentationml/2006/main">
+  <p:cSld>
+    <p:spTree>
+      <p:nvGrpSpPr>
+        <p:cNvPr id="1" name=""/>
+        <p:cNvGrpSpPr/>
+        <p:nvPr/>
+      </p:nvGrpSpPr>
+      <p:grpSpPr>
+        <a:xfrm>
+          <a:off x="0" y="0"/>
+          <a:ext cx="0" cy="0"/>
+          <a:chOff x="0" y="0"/>
+          <a:chExt cx="0" cy="0"/>
+        </a:xfrm>
+      </p:grpSpPr>
+      <p:sp>
+        <p:nvSpPr>
+          <p:cNvPr id="2" name="Title 1"/>
+          <p:cNvSpPr>
+            <a:spLocks noGrp="1"/>
+          </p:cNvSpPr>
+          <p:nvPr>
+            <p:ph type="title"/>
+          </p:nvPr>
+        </p:nvSpPr>
+        <p:spPr>
+          <a:xfrm>
+            <a:off x="685800" y="152400"/>
+            <a:ext cx="7772400" cy="1143000"/>
+          </a:xfrm>
+        </p:spPr>
+        <p:txBody>
+          <a:bodyPr/>
+          <a:lstStyle/>
+          <a:p>
+            <a:r>
+              <a:rPr lang="en-GB" dirty="0" err="1"/>
+              <a:t>InputStream</a:t>
+            </a:r>
+            <a:r>
+              <a:rPr lang="en-GB" dirty="0"/>
+              <a:t>, Example</a:t>
+            </a:r>
+          </a:p>
+        </p:txBody>
+      </p:sp>
+      <p:sp>
+        <p:nvSpPr>
+          <p:cNvPr id="3" name="Content Placeholder 2"/>
+          <p:cNvSpPr>
+            <a:spLocks noGrp="1"/>
+          </p:cNvSpPr>
+          <p:nvPr>
+            <p:ph idx="1"/>
+          </p:nvPr>
+        </p:nvSpPr>
+        <p:spPr/>
+        <p:txBody>
+          <a:bodyPr/>
+          <a:lstStyle/>
+          <a:p>
+            <a:endParaRPr lang="en-GB"/>
+          </a:p>
+        </p:txBody>
+      </p:sp>
+      <p:pic>
+        <p:nvPicPr>
+          <p:cNvPr id="4" name="Picture 3"/>
+          <p:cNvPicPr>
+            <a:picLocks noChangeAspect="1"/>
+          </p:cNvPicPr>
+          <p:nvPr/>
+        </p:nvPicPr>
+        <p:blipFill>
+          <a:blip r:embed="rId2"/>
+          <a:stretch>
+            <a:fillRect/>
+          </a:stretch>
+        </p:blipFill>
+        <p:spPr>
+          <a:xfrm>
+            <a:off x="304800" y="1143000"/>
+            <a:ext cx="8458200" cy="5347712"/>
+          </a:xfrm>
+          <a:prstGeom prst="rect">
+            <a:avLst/>
+          </a:prstGeom>
+        </p:spPr>
+      </p:pic>
+    </p:spTree>
+    <p:extLst>
+      <p:ext uri="{BB962C8B-B14F-4D97-AF65-F5344CB8AC3E}">
+        <p14:creationId xmlns:p14="http://schemas.microsoft.com/office/powerpoint/2010/main" val="1306294012"/>
+      </p:ext>
+    </p:extLst>
+  </p:cSld>
+  <p:clrMapOvr>
+    <a:masterClrMapping/>
+  </p:clrMapOvr>
+</p:sld>
+</file>
+
+<file path=ppt/slides/slide19.xml><?xml version="1.0" encoding="utf-8"?>
+<p:sld xmlns:a="http://schemas.openxmlformats.org/drawingml/2006/main" xmlns:r="http://schemas.openxmlformats.org/officeDocument/2006/relationships" xmlns:p="http://schemas.openxmlformats.org/presentationml/2006/main">
+  <p:cSld>
+    <p:spTree>
+      <p:nvGrpSpPr>
+        <p:cNvPr id="1" name=""/>
+        <p:cNvGrpSpPr/>
+        <p:nvPr/>
+      </p:nvGrpSpPr>
+      <p:grpSpPr>
+        <a:xfrm>
+          <a:off x="0" y="0"/>
+          <a:ext cx="0" cy="0"/>
+          <a:chOff x="0" y="0"/>
+          <a:chExt cx="0" cy="0"/>
+        </a:xfrm>
+      </p:grpSpPr>
+      <p:sp>
+        <p:nvSpPr>
+          <p:cNvPr id="2" name="Title 1"/>
+          <p:cNvSpPr>
+            <a:spLocks noGrp="1"/>
+          </p:cNvSpPr>
+          <p:nvPr>
+            <p:ph type="title"/>
+          </p:nvPr>
+        </p:nvSpPr>
+        <p:spPr>
+          <a:xfrm>
+            <a:off x="685800" y="0"/>
+            <a:ext cx="7772400" cy="1143000"/>
+          </a:xfrm>
+        </p:spPr>
+        <p:txBody>
+          <a:bodyPr/>
+          <a:lstStyle/>
+          <a:p>
+            <a:r>
+              <a:rPr lang="en-GB" dirty="0" err="1"/>
+              <a:t>InputStream</a:t>
+            </a:r>
+            <a:r>
+              <a:rPr lang="en-GB" dirty="0"/>
+              <a:t>, Example, </a:t>
+            </a:r>
+            <a:r>
+              <a:rPr lang="en-GB" dirty="0" smtClean="0"/>
+              <a:t>cont.</a:t>
+            </a:r>
+            <a:endParaRPr lang="en-GB" dirty="0"/>
+          </a:p>
+        </p:txBody>
+      </p:sp>
+      <p:sp>
+        <p:nvSpPr>
+          <p:cNvPr id="3" name="Content Placeholder 2"/>
+          <p:cNvSpPr>
+            <a:spLocks noGrp="1"/>
+          </p:cNvSpPr>
+          <p:nvPr>
+            <p:ph idx="1"/>
+          </p:nvPr>
+        </p:nvSpPr>
+        <p:spPr/>
+        <p:txBody>
+          <a:bodyPr/>
+          <a:lstStyle/>
+          <a:p>
+            <a:endParaRPr lang="en-GB"/>
+          </a:p>
+        </p:txBody>
+      </p:sp>
+      <p:pic>
+        <p:nvPicPr>
+          <p:cNvPr id="4" name="Picture 3"/>
+          <p:cNvPicPr>
+            <a:picLocks noChangeAspect="1"/>
+          </p:cNvPicPr>
+          <p:nvPr/>
+        </p:nvPicPr>
+        <p:blipFill>
+          <a:blip r:embed="rId2"/>
+          <a:stretch>
+            <a:fillRect/>
+          </a:stretch>
+        </p:blipFill>
+        <p:spPr>
+          <a:xfrm>
+            <a:off x="571500" y="990600"/>
+            <a:ext cx="8001000" cy="5817071"/>
+          </a:xfrm>
+          <a:prstGeom prst="rect">
+            <a:avLst/>
+          </a:prstGeom>
+        </p:spPr>
+      </p:pic>
+    </p:spTree>
+    <p:extLst>
+      <p:ext uri="{BB962C8B-B14F-4D97-AF65-F5344CB8AC3E}">
+        <p14:creationId xmlns:p14="http://schemas.microsoft.com/office/powerpoint/2010/main" val="1843013529"/>
+      </p:ext>
+    </p:extLst>
+  </p:cSld>
+  <p:clrMapOvr>
+    <a:masterClrMapping/>
+  </p:clrMapOvr>
+</p:sld>
+</file>
+
 <file path=ppt/slides/slide2.xml><?xml version="1.0" encoding="utf-8"?>
 <p:sld xmlns:a="http://schemas.openxmlformats.org/drawingml/2006/main" xmlns:r="http://schemas.openxmlformats.org/officeDocument/2006/relationships" xmlns:p="http://schemas.openxmlformats.org/presentationml/2006/main">
   <p:cSld>
@@ -3888,73 +5048,1237 @@
       </p:grpSpPr>
       <p:sp>
         <p:nvSpPr>
-          <p:cNvPr id="10242" name="Rectangle 2"/>
-          <p:cNvSpPr>
-            <a:spLocks noGrp="1" noChangeArrowheads="1"/>
+          <p:cNvPr id="2" name="Title 1"/>
+          <p:cNvSpPr>
+            <a:spLocks noGrp="1"/>
           </p:cNvSpPr>
           <p:nvPr>
             <p:ph type="title"/>
           </p:nvPr>
         </p:nvSpPr>
-        <p:spPr/>
+        <p:spPr>
+          <a:xfrm>
+            <a:off x="533400" y="533400"/>
+            <a:ext cx="7772400" cy="1143000"/>
+          </a:xfrm>
+        </p:spPr>
         <p:txBody>
           <a:bodyPr/>
           <a:lstStyle/>
           <a:p>
-            <a:pPr eaLnBrk="1" hangingPunct="1"/>
-            <a:r>
-              <a:rPr lang="en-US" altLang="en-US" smtClean="0"/>
-              <a:t>Outline</a:t>
-            </a:r>
-          </a:p>
-        </p:txBody>
-      </p:sp>
-      <p:sp>
-        <p:nvSpPr>
-          <p:cNvPr id="10243" name="Rectangle 3"/>
-          <p:cNvSpPr>
-            <a:spLocks noGrp="1" noChangeArrowheads="1"/>
+            <a:r>
+              <a:rPr lang="en-GB" b="1" dirty="0" smtClean="0"/>
+              <a:t>No Lecture</a:t>
+            </a:r>
+            <a:endParaRPr lang="en-GB" b="1" dirty="0"/>
+          </a:p>
+        </p:txBody>
+      </p:sp>
+      <p:sp>
+        <p:nvSpPr>
+          <p:cNvPr id="3" name="Content Placeholder 2"/>
+          <p:cNvSpPr>
+            <a:spLocks noGrp="1"/>
           </p:cNvSpPr>
           <p:nvPr>
             <p:ph idx="1"/>
           </p:nvPr>
         </p:nvSpPr>
+        <p:spPr/>
+        <p:txBody>
+          <a:bodyPr/>
+          <a:lstStyle/>
+          <a:p>
+            <a:r>
+              <a:rPr lang="en-GB" dirty="0"/>
+              <a:t>*Revision Week	[28/11/2017]	</a:t>
+            </a:r>
+          </a:p>
+        </p:txBody>
+      </p:sp>
+    </p:spTree>
+    <p:extLst>
+      <p:ext uri="{BB962C8B-B14F-4D97-AF65-F5344CB8AC3E}">
+        <p14:creationId xmlns:p14="http://schemas.microsoft.com/office/powerpoint/2010/main" val="1974429957"/>
+      </p:ext>
+    </p:extLst>
+  </p:cSld>
+  <p:clrMapOvr>
+    <a:masterClrMapping/>
+  </p:clrMapOvr>
+</p:sld>
+</file>
+
+<file path=ppt/slides/slide20.xml><?xml version="1.0" encoding="utf-8"?>
+<p:sld xmlns:a="http://schemas.openxmlformats.org/drawingml/2006/main" xmlns:r="http://schemas.openxmlformats.org/officeDocument/2006/relationships" xmlns:p="http://schemas.openxmlformats.org/presentationml/2006/main">
+  <p:cSld>
+    <p:spTree>
+      <p:nvGrpSpPr>
+        <p:cNvPr id="1" name=""/>
+        <p:cNvGrpSpPr/>
+        <p:nvPr/>
+      </p:nvGrpSpPr>
+      <p:grpSpPr>
+        <a:xfrm>
+          <a:off x="0" y="0"/>
+          <a:ext cx="0" cy="0"/>
+          <a:chOff x="0" y="0"/>
+          <a:chExt cx="0" cy="0"/>
+        </a:xfrm>
+      </p:grpSpPr>
+      <p:sp>
+        <p:nvSpPr>
+          <p:cNvPr id="2" name="Title 1"/>
+          <p:cNvSpPr>
+            <a:spLocks noGrp="1"/>
+          </p:cNvSpPr>
+          <p:nvPr>
+            <p:ph type="title"/>
+          </p:nvPr>
+        </p:nvSpPr>
+        <p:spPr/>
+        <p:txBody>
+          <a:bodyPr/>
+          <a:lstStyle/>
+          <a:p>
+            <a:r>
+              <a:rPr lang="en-GB" dirty="0"/>
+              <a:t>Reader and Writer Classes</a:t>
+            </a:r>
+          </a:p>
+        </p:txBody>
+      </p:sp>
+      <p:sp>
+        <p:nvSpPr>
+          <p:cNvPr id="3" name="Content Placeholder 2"/>
+          <p:cNvSpPr>
+            <a:spLocks noGrp="1"/>
+          </p:cNvSpPr>
+          <p:nvPr>
+            <p:ph idx="1"/>
+          </p:nvPr>
+        </p:nvSpPr>
+        <p:spPr/>
+        <p:txBody>
+          <a:bodyPr>
+            <a:normAutofit fontScale="85000" lnSpcReduction="10000"/>
+          </a:bodyPr>
+          <a:lstStyle/>
+          <a:p>
+            <a:r>
+              <a:rPr lang="en-GB" dirty="0"/>
+              <a:t>Added in Java 1.1</a:t>
+            </a:r>
+          </a:p>
+          <a:p>
+            <a:r>
+              <a:rPr lang="en-GB" dirty="0" smtClean="0"/>
+              <a:t>Not </a:t>
+            </a:r>
+            <a:r>
+              <a:rPr lang="en-GB" dirty="0"/>
+              <a:t>meant to replace </a:t>
+            </a:r>
+            <a:r>
+              <a:rPr lang="en-GB" dirty="0" err="1"/>
+              <a:t>InputStream</a:t>
+            </a:r>
+            <a:r>
+              <a:rPr lang="en-GB" dirty="0"/>
+              <a:t> and </a:t>
+            </a:r>
+            <a:r>
+              <a:rPr lang="en-GB" dirty="0" err="1"/>
+              <a:t>OutputStream</a:t>
+            </a:r>
+            <a:endParaRPr lang="en-GB" dirty="0"/>
+          </a:p>
+          <a:p>
+            <a:r>
+              <a:rPr lang="en-GB" dirty="0" smtClean="0"/>
+              <a:t>Internationalization </a:t>
+            </a:r>
+            <a:r>
+              <a:rPr lang="en-GB" dirty="0"/>
+              <a:t>Unicode support</a:t>
+            </a:r>
+          </a:p>
+          <a:p>
+            <a:r>
+              <a:rPr lang="en-GB" dirty="0" smtClean="0"/>
+              <a:t>Efficiency</a:t>
+            </a:r>
+            <a:r>
+              <a:rPr lang="en-GB" dirty="0"/>
+              <a:t>, designed to solved efficiency problems</a:t>
+            </a:r>
+          </a:p>
+          <a:p>
+            <a:r>
+              <a:rPr lang="en-GB" dirty="0" smtClean="0"/>
+              <a:t>Structured </a:t>
+            </a:r>
+            <a:r>
+              <a:rPr lang="en-GB" dirty="0"/>
+              <a:t>in class hierarchies similar to the </a:t>
+            </a:r>
+            <a:r>
+              <a:rPr lang="en-GB" dirty="0" err="1"/>
+              <a:t>InputStream</a:t>
+            </a:r>
+            <a:r>
+              <a:rPr lang="en-GB" dirty="0"/>
+              <a:t> </a:t>
+            </a:r>
+            <a:r>
+              <a:rPr lang="en-GB" dirty="0" smtClean="0"/>
+              <a:t>and </a:t>
+            </a:r>
+            <a:r>
+              <a:rPr lang="en-GB" dirty="0" err="1" smtClean="0"/>
+              <a:t>OutputStream</a:t>
+            </a:r>
+            <a:r>
+              <a:rPr lang="en-GB" dirty="0" smtClean="0"/>
+              <a:t> </a:t>
+            </a:r>
+            <a:r>
+              <a:rPr lang="en-GB" dirty="0"/>
+              <a:t>hierarchies</a:t>
+            </a:r>
+          </a:p>
+          <a:p>
+            <a:pPr lvl="1"/>
+            <a:r>
+              <a:rPr lang="en-GB" dirty="0" smtClean="0"/>
+              <a:t>Are </a:t>
+            </a:r>
+            <a:r>
+              <a:rPr lang="en-GB" dirty="0"/>
+              <a:t>also using the decorator design pattern</a:t>
+            </a:r>
+          </a:p>
+        </p:txBody>
+      </p:sp>
+    </p:spTree>
+    <p:extLst>
+      <p:ext uri="{BB962C8B-B14F-4D97-AF65-F5344CB8AC3E}">
+        <p14:creationId xmlns:p14="http://schemas.microsoft.com/office/powerpoint/2010/main" val="691739507"/>
+      </p:ext>
+    </p:extLst>
+  </p:cSld>
+  <p:clrMapOvr>
+    <a:masterClrMapping/>
+  </p:clrMapOvr>
+</p:sld>
+</file>
+
+<file path=ppt/slides/slide21.xml><?xml version="1.0" encoding="utf-8"?>
+<p:sld xmlns:a="http://schemas.openxmlformats.org/drawingml/2006/main" xmlns:r="http://schemas.openxmlformats.org/officeDocument/2006/relationships" xmlns:p="http://schemas.openxmlformats.org/presentationml/2006/main">
+  <p:cSld>
+    <p:spTree>
+      <p:nvGrpSpPr>
+        <p:cNvPr id="1" name=""/>
+        <p:cNvGrpSpPr/>
+        <p:nvPr/>
+      </p:nvGrpSpPr>
+      <p:grpSpPr>
+        <a:xfrm>
+          <a:off x="0" y="0"/>
+          <a:ext cx="0" cy="0"/>
+          <a:chOff x="0" y="0"/>
+          <a:chExt cx="0" cy="0"/>
+        </a:xfrm>
+      </p:grpSpPr>
+      <p:sp>
+        <p:nvSpPr>
+          <p:cNvPr id="2" name="Title 1"/>
+          <p:cNvSpPr>
+            <a:spLocks noGrp="1"/>
+          </p:cNvSpPr>
+          <p:nvPr>
+            <p:ph type="title"/>
+          </p:nvPr>
+        </p:nvSpPr>
+        <p:spPr/>
+        <p:txBody>
+          <a:bodyPr/>
+          <a:lstStyle/>
+          <a:p>
+            <a:r>
+              <a:rPr lang="en-GB" dirty="0" err="1"/>
+              <a:t>FileReader</a:t>
+            </a:r>
+            <a:r>
+              <a:rPr lang="en-GB" dirty="0"/>
+              <a:t> and </a:t>
+            </a:r>
+            <a:r>
+              <a:rPr lang="en-GB" dirty="0" err="1"/>
+              <a:t>FileWriter</a:t>
+            </a:r>
+            <a:r>
+              <a:rPr lang="en-GB" dirty="0"/>
+              <a:t>, Example</a:t>
+            </a:r>
+          </a:p>
+        </p:txBody>
+      </p:sp>
+      <p:sp>
+        <p:nvSpPr>
+          <p:cNvPr id="3" name="Content Placeholder 2"/>
+          <p:cNvSpPr>
+            <a:spLocks noGrp="1"/>
+          </p:cNvSpPr>
+          <p:nvPr>
+            <p:ph idx="1"/>
+          </p:nvPr>
+        </p:nvSpPr>
+        <p:spPr/>
+        <p:txBody>
+          <a:bodyPr/>
+          <a:lstStyle/>
+          <a:p>
+            <a:endParaRPr lang="en-GB"/>
+          </a:p>
+        </p:txBody>
+      </p:sp>
+      <p:pic>
+        <p:nvPicPr>
+          <p:cNvPr id="4" name="Picture 3"/>
+          <p:cNvPicPr>
+            <a:picLocks noChangeAspect="1"/>
+          </p:cNvPicPr>
+          <p:nvPr/>
+        </p:nvPicPr>
+        <p:blipFill>
+          <a:blip r:embed="rId2"/>
+          <a:stretch>
+            <a:fillRect/>
+          </a:stretch>
+        </p:blipFill>
         <p:spPr>
           <a:xfrm>
-            <a:off x="685800" y="1981200"/>
-            <a:ext cx="7772400" cy="4572000"/>
+            <a:off x="592508" y="1786467"/>
+            <a:ext cx="7958983" cy="4822201"/>
+          </a:xfrm>
+          <a:prstGeom prst="rect">
+            <a:avLst/>
+          </a:prstGeom>
+        </p:spPr>
+      </p:pic>
+    </p:spTree>
+    <p:extLst>
+      <p:ext uri="{BB962C8B-B14F-4D97-AF65-F5344CB8AC3E}">
+        <p14:creationId xmlns:p14="http://schemas.microsoft.com/office/powerpoint/2010/main" val="4291682022"/>
+      </p:ext>
+    </p:extLst>
+  </p:cSld>
+  <p:clrMapOvr>
+    <a:masterClrMapping/>
+  </p:clrMapOvr>
+</p:sld>
+</file>
+
+<file path=ppt/slides/slide22.xml><?xml version="1.0" encoding="utf-8"?>
+<p:sld xmlns:a="http://schemas.openxmlformats.org/drawingml/2006/main" xmlns:r="http://schemas.openxmlformats.org/officeDocument/2006/relationships" xmlns:p="http://schemas.openxmlformats.org/presentationml/2006/main">
+  <p:cSld>
+    <p:spTree>
+      <p:nvGrpSpPr>
+        <p:cNvPr id="1" name=""/>
+        <p:cNvGrpSpPr/>
+        <p:nvPr/>
+      </p:nvGrpSpPr>
+      <p:grpSpPr>
+        <a:xfrm>
+          <a:off x="0" y="0"/>
+          <a:ext cx="0" cy="0"/>
+          <a:chOff x="0" y="0"/>
+          <a:chExt cx="0" cy="0"/>
+        </a:xfrm>
+      </p:grpSpPr>
+      <p:sp>
+        <p:nvSpPr>
+          <p:cNvPr id="2" name="Title 1"/>
+          <p:cNvSpPr>
+            <a:spLocks noGrp="1"/>
+          </p:cNvSpPr>
+          <p:nvPr>
+            <p:ph type="title"/>
+          </p:nvPr>
+        </p:nvSpPr>
+        <p:spPr>
+          <a:xfrm>
+            <a:off x="685800" y="228600"/>
+            <a:ext cx="7772400" cy="1143000"/>
           </a:xfrm>
         </p:spPr>
         <p:txBody>
           <a:bodyPr/>
           <a:lstStyle/>
           <a:p>
-            <a:pPr eaLnBrk="1" hangingPunct="1"/>
-            <a:r>
-              <a:rPr lang="en-US" altLang="en-US" dirty="0" smtClean="0"/>
-              <a:t>Essential </a:t>
-            </a:r>
-            <a:r>
-              <a:rPr lang="en-US" altLang="en-US" dirty="0" smtClean="0"/>
-              <a:t>Common Classes in Java</a:t>
-            </a:r>
-          </a:p>
-          <a:p>
-            <a:pPr eaLnBrk="1" hangingPunct="1"/>
-            <a:r>
-              <a:rPr lang="en-US" altLang="en-US" dirty="0" smtClean="0"/>
-              <a:t>Today’s </a:t>
-            </a:r>
-            <a:r>
-              <a:rPr lang="en-US" altLang="en-US" dirty="0" smtClean="0"/>
-              <a:t>Practical</a:t>
-            </a:r>
-          </a:p>
-          <a:p>
-            <a:pPr eaLnBrk="1" hangingPunct="1"/>
-            <a:r>
-              <a:rPr lang="en-US" altLang="en-US" dirty="0" smtClean="0"/>
-              <a:t>Review/Discussion</a:t>
+            <a:r>
+              <a:rPr lang="en-GB" dirty="0"/>
+              <a:t>Object Serialization</a:t>
+            </a:r>
+          </a:p>
+        </p:txBody>
+      </p:sp>
+      <p:sp>
+        <p:nvSpPr>
+          <p:cNvPr id="3" name="Content Placeholder 2"/>
+          <p:cNvSpPr>
+            <a:spLocks noGrp="1"/>
+          </p:cNvSpPr>
+          <p:nvPr>
+            <p:ph idx="1"/>
+          </p:nvPr>
+        </p:nvSpPr>
+        <p:spPr>
+          <a:xfrm>
+            <a:off x="685800" y="1752600"/>
+            <a:ext cx="7772400" cy="4648200"/>
+          </a:xfrm>
+        </p:spPr>
+        <p:txBody>
+          <a:bodyPr>
+            <a:normAutofit fontScale="77500" lnSpcReduction="20000"/>
+          </a:bodyPr>
+          <a:lstStyle/>
+          <a:p>
+            <a:r>
+              <a:rPr lang="en-GB" dirty="0"/>
+              <a:t>Very hard to do in other programming languages</a:t>
+            </a:r>
+            <a:r>
+              <a:rPr lang="en-GB" dirty="0" smtClean="0"/>
+              <a:t>!</a:t>
+            </a:r>
+            <a:endParaRPr lang="en-GB" dirty="0"/>
+          </a:p>
+          <a:p>
+            <a:r>
+              <a:rPr lang="en-GB" dirty="0" smtClean="0"/>
+              <a:t>Class </a:t>
+            </a:r>
+            <a:r>
+              <a:rPr lang="en-GB" dirty="0"/>
+              <a:t>must implement the Serializable interface</a:t>
+            </a:r>
+          </a:p>
+          <a:p>
+            <a:r>
+              <a:rPr lang="en-GB" dirty="0" smtClean="0"/>
+              <a:t>Uses</a:t>
+            </a:r>
+            <a:endParaRPr lang="en-GB" dirty="0"/>
+          </a:p>
+          <a:p>
+            <a:pPr lvl="1"/>
+            <a:r>
+              <a:rPr lang="en-GB" dirty="0" smtClean="0"/>
+              <a:t>Output</a:t>
+            </a:r>
+            <a:r>
+              <a:rPr lang="en-GB" dirty="0"/>
+              <a:t>: </a:t>
+            </a:r>
+            <a:r>
+              <a:rPr lang="en-GB" dirty="0" err="1"/>
+              <a:t>ObjectOutputStream</a:t>
+            </a:r>
+            <a:endParaRPr lang="en-GB" dirty="0"/>
+          </a:p>
+          <a:p>
+            <a:pPr lvl="2"/>
+            <a:r>
+              <a:rPr lang="en-GB" dirty="0" err="1" smtClean="0"/>
+              <a:t>writeObject</a:t>
+            </a:r>
+            <a:r>
+              <a:rPr lang="en-GB" dirty="0"/>
+              <a:t>()</a:t>
+            </a:r>
+          </a:p>
+          <a:p>
+            <a:pPr lvl="1"/>
+            <a:r>
+              <a:rPr lang="en-GB" dirty="0" smtClean="0"/>
+              <a:t>Input</a:t>
+            </a:r>
+            <a:r>
+              <a:rPr lang="en-GB" dirty="0"/>
+              <a:t>: </a:t>
+            </a:r>
+            <a:r>
+              <a:rPr lang="en-GB" dirty="0" err="1"/>
+              <a:t>ObjectInputStream</a:t>
+            </a:r>
+            <a:endParaRPr lang="en-GB" dirty="0"/>
+          </a:p>
+          <a:p>
+            <a:pPr lvl="2"/>
+            <a:r>
+              <a:rPr lang="en-GB" dirty="0" err="1" smtClean="0"/>
+              <a:t>readObject</a:t>
+            </a:r>
+            <a:r>
+              <a:rPr lang="en-GB" dirty="0"/>
+              <a:t>()</a:t>
+            </a:r>
+          </a:p>
+          <a:p>
+            <a:r>
+              <a:rPr lang="en-GB" dirty="0" smtClean="0"/>
+              <a:t>All </a:t>
+            </a:r>
+            <a:r>
+              <a:rPr lang="en-GB" dirty="0"/>
+              <a:t>relevant parts (the web of object) are serialized.</a:t>
+            </a:r>
+          </a:p>
+          <a:p>
+            <a:r>
+              <a:rPr lang="en-GB" dirty="0" smtClean="0"/>
+              <a:t>Lightweight </a:t>
+            </a:r>
+            <a:r>
+              <a:rPr lang="en-GB" dirty="0"/>
+              <a:t>persistence</a:t>
+            </a:r>
+          </a:p>
+          <a:p>
+            <a:pPr lvl="1"/>
+            <a:r>
+              <a:rPr lang="en-GB" dirty="0" smtClean="0"/>
+              <a:t>used </a:t>
+            </a:r>
+            <a:r>
+              <a:rPr lang="en-GB" dirty="0"/>
+              <a:t>in RMI (send objects across a network)</a:t>
+            </a:r>
+          </a:p>
+          <a:p>
+            <a:pPr lvl="1"/>
+            <a:r>
+              <a:rPr lang="en-GB" dirty="0" smtClean="0"/>
+              <a:t>used </a:t>
+            </a:r>
+            <a:r>
+              <a:rPr lang="en-GB" dirty="0"/>
+              <a:t>in JavaBeans</a:t>
+            </a:r>
+          </a:p>
+        </p:txBody>
+      </p:sp>
+    </p:spTree>
+    <p:extLst>
+      <p:ext uri="{BB962C8B-B14F-4D97-AF65-F5344CB8AC3E}">
+        <p14:creationId xmlns:p14="http://schemas.microsoft.com/office/powerpoint/2010/main" val="2076618642"/>
+      </p:ext>
+    </p:extLst>
+  </p:cSld>
+  <p:clrMapOvr>
+    <a:masterClrMapping/>
+  </p:clrMapOvr>
+</p:sld>
+</file>
+
+<file path=ppt/slides/slide23.xml><?xml version="1.0" encoding="utf-8"?>
+<p:sld xmlns:a="http://schemas.openxmlformats.org/drawingml/2006/main" xmlns:r="http://schemas.openxmlformats.org/officeDocument/2006/relationships" xmlns:p="http://schemas.openxmlformats.org/presentationml/2006/main">
+  <p:cSld>
+    <p:spTree>
+      <p:nvGrpSpPr>
+        <p:cNvPr id="1" name=""/>
+        <p:cNvGrpSpPr/>
+        <p:nvPr/>
+      </p:nvGrpSpPr>
+      <p:grpSpPr>
+        <a:xfrm>
+          <a:off x="0" y="0"/>
+          <a:ext cx="0" cy="0"/>
+          <a:chOff x="0" y="0"/>
+          <a:chExt cx="0" cy="0"/>
+        </a:xfrm>
+      </p:grpSpPr>
+      <p:sp>
+        <p:nvSpPr>
+          <p:cNvPr id="2" name="Title 1"/>
+          <p:cNvSpPr>
+            <a:spLocks noGrp="1"/>
+          </p:cNvSpPr>
+          <p:nvPr>
+            <p:ph type="title"/>
+          </p:nvPr>
+        </p:nvSpPr>
+        <p:spPr>
+          <a:xfrm>
+            <a:off x="685800" y="0"/>
+            <a:ext cx="7772400" cy="1143000"/>
+          </a:xfrm>
+        </p:spPr>
+        <p:txBody>
+          <a:bodyPr/>
+          <a:lstStyle/>
+          <a:p>
+            <a:r>
+              <a:rPr lang="en-GB" dirty="0"/>
+              <a:t>Object Serialization, Example</a:t>
+            </a:r>
+          </a:p>
+        </p:txBody>
+      </p:sp>
+      <p:sp>
+        <p:nvSpPr>
+          <p:cNvPr id="3" name="Content Placeholder 2"/>
+          <p:cNvSpPr>
+            <a:spLocks noGrp="1"/>
+          </p:cNvSpPr>
+          <p:nvPr>
+            <p:ph idx="1"/>
+          </p:nvPr>
+        </p:nvSpPr>
+        <p:spPr/>
+        <p:txBody>
+          <a:bodyPr/>
+          <a:lstStyle/>
+          <a:p>
+            <a:endParaRPr lang="en-GB"/>
+          </a:p>
+        </p:txBody>
+      </p:sp>
+      <p:pic>
+        <p:nvPicPr>
+          <p:cNvPr id="4" name="Picture 3"/>
+          <p:cNvPicPr>
+            <a:picLocks noChangeAspect="1"/>
+          </p:cNvPicPr>
+          <p:nvPr/>
+        </p:nvPicPr>
+        <p:blipFill>
+          <a:blip r:embed="rId2"/>
+          <a:stretch>
+            <a:fillRect/>
+          </a:stretch>
+        </p:blipFill>
+        <p:spPr>
+          <a:xfrm>
+            <a:off x="838200" y="1143000"/>
+            <a:ext cx="7300913" cy="5552690"/>
+          </a:xfrm>
+          <a:prstGeom prst="rect">
+            <a:avLst/>
+          </a:prstGeom>
+        </p:spPr>
+      </p:pic>
+    </p:spTree>
+    <p:extLst>
+      <p:ext uri="{BB962C8B-B14F-4D97-AF65-F5344CB8AC3E}">
+        <p14:creationId xmlns:p14="http://schemas.microsoft.com/office/powerpoint/2010/main" val="1971038760"/>
+      </p:ext>
+    </p:extLst>
+  </p:cSld>
+  <p:clrMapOvr>
+    <a:masterClrMapping/>
+  </p:clrMapOvr>
+</p:sld>
+</file>
+
+<file path=ppt/slides/slide24.xml><?xml version="1.0" encoding="utf-8"?>
+<p:sld xmlns:a="http://schemas.openxmlformats.org/drawingml/2006/main" xmlns:r="http://schemas.openxmlformats.org/officeDocument/2006/relationships" xmlns:p="http://schemas.openxmlformats.org/presentationml/2006/main">
+  <p:cSld>
+    <p:spTree>
+      <p:nvGrpSpPr>
+        <p:cNvPr id="1" name=""/>
+        <p:cNvGrpSpPr/>
+        <p:nvPr/>
+      </p:nvGrpSpPr>
+      <p:grpSpPr>
+        <a:xfrm>
+          <a:off x="0" y="0"/>
+          <a:ext cx="0" cy="0"/>
+          <a:chOff x="0" y="0"/>
+          <a:chExt cx="0" cy="0"/>
+        </a:xfrm>
+      </p:grpSpPr>
+      <p:sp>
+        <p:nvSpPr>
+          <p:cNvPr id="2" name="Title 1"/>
+          <p:cNvSpPr>
+            <a:spLocks noGrp="1"/>
+          </p:cNvSpPr>
+          <p:nvPr>
+            <p:ph type="title"/>
+          </p:nvPr>
+        </p:nvSpPr>
+        <p:spPr/>
+        <p:txBody>
+          <a:bodyPr/>
+          <a:lstStyle/>
+          <a:p>
+            <a:r>
+              <a:rPr lang="en-GB" dirty="0" smtClean="0"/>
+              <a:t>Review </a:t>
+            </a:r>
+            <a:r>
+              <a:rPr lang="en-GB" dirty="0" err="1" smtClean="0"/>
+              <a:t>Input/Output</a:t>
+            </a:r>
+            <a:endParaRPr lang="en-GB" dirty="0"/>
+          </a:p>
+        </p:txBody>
+      </p:sp>
+      <p:sp>
+        <p:nvSpPr>
+          <p:cNvPr id="3" name="Content Placeholder 2"/>
+          <p:cNvSpPr>
+            <a:spLocks noGrp="1"/>
+          </p:cNvSpPr>
+          <p:nvPr>
+            <p:ph idx="1"/>
+          </p:nvPr>
+        </p:nvSpPr>
+        <p:spPr/>
+        <p:txBody>
+          <a:bodyPr>
+            <a:normAutofit fontScale="85000" lnSpcReduction="20000"/>
+          </a:bodyPr>
+          <a:lstStyle/>
+          <a:p>
+            <a:r>
+              <a:rPr lang="en-GB" dirty="0"/>
+              <a:t>Streams a large class hierarchy for input and output.</a:t>
+            </a:r>
+          </a:p>
+          <a:p>
+            <a:pPr lvl="1"/>
+            <a:r>
+              <a:rPr lang="en-GB" dirty="0" smtClean="0"/>
+              <a:t>The </a:t>
+            </a:r>
+            <a:r>
+              <a:rPr lang="en-GB" dirty="0"/>
+              <a:t>decorator pattern is the key to understanding it</a:t>
+            </a:r>
+          </a:p>
+          <a:p>
+            <a:r>
+              <a:rPr lang="en-GB" dirty="0" smtClean="0"/>
+              <a:t>The </a:t>
+            </a:r>
+            <a:r>
+              <a:rPr lang="en-GB" dirty="0"/>
+              <a:t>decorator design pattern may seem strange</a:t>
+            </a:r>
+          </a:p>
+          <a:p>
+            <a:pPr lvl="1"/>
+            <a:r>
+              <a:rPr lang="en-GB" dirty="0" smtClean="0"/>
+              <a:t>Very </a:t>
+            </a:r>
+            <a:r>
+              <a:rPr lang="en-GB" dirty="0"/>
+              <a:t>flexible, but requires extra coding in clients.</a:t>
+            </a:r>
+          </a:p>
+          <a:p>
+            <a:r>
+              <a:rPr lang="en-GB" dirty="0" smtClean="0"/>
+              <a:t>There </a:t>
+            </a:r>
+            <a:r>
+              <a:rPr lang="en-GB" dirty="0"/>
+              <a:t>is no C-like </a:t>
+            </a:r>
+            <a:r>
+              <a:rPr lang="en-GB" dirty="0" err="1"/>
+              <a:t>printf</a:t>
+            </a:r>
+            <a:r>
+              <a:rPr lang="en-GB" dirty="0"/>
+              <a:t> functionality</a:t>
+            </a:r>
+          </a:p>
+          <a:p>
+            <a:r>
+              <a:rPr lang="en-GB" dirty="0" smtClean="0"/>
+              <a:t>For </a:t>
+            </a:r>
+            <a:r>
+              <a:rPr lang="en-GB" dirty="0"/>
+              <a:t>objects to live between program invocations use the</a:t>
+            </a:r>
+          </a:p>
+          <a:p>
+            <a:r>
+              <a:rPr lang="en-GB" dirty="0"/>
+              <a:t>Serializable </a:t>
+            </a:r>
+            <a:r>
+              <a:rPr lang="en-GB" dirty="0" smtClean="0"/>
+              <a:t>interface</a:t>
+            </a:r>
+            <a:endParaRPr lang="en-GB" dirty="0"/>
+          </a:p>
+        </p:txBody>
+      </p:sp>
+    </p:spTree>
+    <p:extLst>
+      <p:ext uri="{BB962C8B-B14F-4D97-AF65-F5344CB8AC3E}">
+        <p14:creationId xmlns:p14="http://schemas.microsoft.com/office/powerpoint/2010/main" val="964476150"/>
+      </p:ext>
+    </p:extLst>
+  </p:cSld>
+  <p:clrMapOvr>
+    <a:masterClrMapping/>
+  </p:clrMapOvr>
+</p:sld>
+</file>
+
+<file path=ppt/slides/slide25.xml><?xml version="1.0" encoding="utf-8"?>
+<p:sld xmlns:a="http://schemas.openxmlformats.org/drawingml/2006/main" xmlns:r="http://schemas.openxmlformats.org/officeDocument/2006/relationships" xmlns:p="http://schemas.openxmlformats.org/presentationml/2006/main">
+  <p:cSld>
+    <p:spTree>
+      <p:nvGrpSpPr>
+        <p:cNvPr id="1" name=""/>
+        <p:cNvGrpSpPr/>
+        <p:nvPr/>
+      </p:nvGrpSpPr>
+      <p:grpSpPr>
+        <a:xfrm>
+          <a:off x="0" y="0"/>
+          <a:ext cx="0" cy="0"/>
+          <a:chOff x="0" y="0"/>
+          <a:chExt cx="0" cy="0"/>
+        </a:xfrm>
+      </p:grpSpPr>
+      <p:sp>
+        <p:nvSpPr>
+          <p:cNvPr id="2" name="Title 1"/>
+          <p:cNvSpPr>
+            <a:spLocks noGrp="1"/>
+          </p:cNvSpPr>
+          <p:nvPr>
+            <p:ph type="title"/>
+          </p:nvPr>
+        </p:nvSpPr>
+        <p:spPr/>
+        <p:txBody>
+          <a:bodyPr/>
+          <a:lstStyle/>
+          <a:p>
+            <a:r>
+              <a:rPr lang="en-GB" dirty="0" smtClean="0"/>
+              <a:t>Sorting Data</a:t>
+            </a:r>
+            <a:endParaRPr lang="en-GB" dirty="0"/>
+          </a:p>
+        </p:txBody>
+      </p:sp>
+      <p:sp>
+        <p:nvSpPr>
+          <p:cNvPr id="3" name="Content Placeholder 2"/>
+          <p:cNvSpPr>
+            <a:spLocks noGrp="1"/>
+          </p:cNvSpPr>
+          <p:nvPr>
+            <p:ph idx="1"/>
+          </p:nvPr>
+        </p:nvSpPr>
+        <p:spPr/>
+        <p:txBody>
+          <a:bodyPr>
+            <a:normAutofit fontScale="92500" lnSpcReduction="20000"/>
+          </a:bodyPr>
+          <a:lstStyle/>
+          <a:p>
+            <a:r>
+              <a:rPr lang="en-GB" dirty="0" smtClean="0"/>
+              <a:t>Practical today is about sorting data</a:t>
+            </a:r>
+          </a:p>
+          <a:p>
+            <a:r>
+              <a:rPr lang="en-GB" dirty="0" smtClean="0"/>
+              <a:t>Why is sorting data so important?</a:t>
+            </a:r>
+          </a:p>
+          <a:p>
+            <a:r>
+              <a:rPr lang="en-GB" dirty="0" smtClean="0"/>
+              <a:t>Different sorting algorithms and how to implement them in Java </a:t>
+            </a:r>
+          </a:p>
+          <a:p>
+            <a:pPr lvl="1"/>
+            <a:r>
+              <a:rPr lang="en-GB" dirty="0" smtClean="0"/>
+              <a:t>e.g., bubble sort, merge sort, ..</a:t>
+            </a:r>
+          </a:p>
+          <a:p>
+            <a:r>
+              <a:rPr lang="en-GB" dirty="0" smtClean="0"/>
+              <a:t>Note you’ll need to use concepts, such as, </a:t>
+            </a:r>
+            <a:r>
+              <a:rPr lang="en-GB" b="1" dirty="0" smtClean="0"/>
+              <a:t>Comparable</a:t>
+            </a:r>
+            <a:r>
+              <a:rPr lang="en-GB" dirty="0" smtClean="0"/>
+              <a:t>, which we covered in Lecture 4 (i.e., inherence and interfaces)</a:t>
+            </a:r>
+          </a:p>
+          <a:p>
+            <a:pPr lvl="1"/>
+            <a:r>
+              <a:rPr lang="en-GB" dirty="0" smtClean="0"/>
+              <a:t>Chapter 14 in the Recommended Text</a:t>
+            </a:r>
+            <a:endParaRPr lang="en-GB" dirty="0"/>
+          </a:p>
+        </p:txBody>
+      </p:sp>
+    </p:spTree>
+    <p:extLst>
+      <p:ext uri="{BB962C8B-B14F-4D97-AF65-F5344CB8AC3E}">
+        <p14:creationId xmlns:p14="http://schemas.microsoft.com/office/powerpoint/2010/main" val="3784296848"/>
+      </p:ext>
+    </p:extLst>
+  </p:cSld>
+  <p:clrMapOvr>
+    <a:masterClrMapping/>
+  </p:clrMapOvr>
+</p:sld>
+</file>
+
+<file path=ppt/slides/slide26.xml><?xml version="1.0" encoding="utf-8"?>
+<p:sld xmlns:a="http://schemas.openxmlformats.org/drawingml/2006/main" xmlns:r="http://schemas.openxmlformats.org/officeDocument/2006/relationships" xmlns:p="http://schemas.openxmlformats.org/presentationml/2006/main">
+  <p:cSld>
+    <p:spTree>
+      <p:nvGrpSpPr>
+        <p:cNvPr id="1" name=""/>
+        <p:cNvGrpSpPr/>
+        <p:nvPr/>
+      </p:nvGrpSpPr>
+      <p:grpSpPr>
+        <a:xfrm>
+          <a:off x="0" y="0"/>
+          <a:ext cx="0" cy="0"/>
+          <a:chOff x="0" y="0"/>
+          <a:chExt cx="0" cy="0"/>
+        </a:xfrm>
+      </p:grpSpPr>
+      <p:sp>
+        <p:nvSpPr>
+          <p:cNvPr id="2" name="Title 1"/>
+          <p:cNvSpPr>
+            <a:spLocks noGrp="1"/>
+          </p:cNvSpPr>
+          <p:nvPr>
+            <p:ph type="title"/>
+          </p:nvPr>
+        </p:nvSpPr>
+        <p:spPr>
+          <a:xfrm>
+            <a:off x="685800" y="381000"/>
+            <a:ext cx="7772400" cy="1143000"/>
+          </a:xfrm>
+        </p:spPr>
+        <p:txBody>
+          <a:bodyPr/>
+          <a:lstStyle/>
+          <a:p>
+            <a:r>
+              <a:rPr lang="en-GB" dirty="0" smtClean="0"/>
+              <a:t>Sorting</a:t>
+            </a:r>
+            <a:endParaRPr lang="en-GB" dirty="0"/>
+          </a:p>
+        </p:txBody>
+      </p:sp>
+      <p:sp>
+        <p:nvSpPr>
+          <p:cNvPr id="3" name="Content Placeholder 2"/>
+          <p:cNvSpPr>
+            <a:spLocks noGrp="1"/>
+          </p:cNvSpPr>
+          <p:nvPr>
+            <p:ph idx="1"/>
+          </p:nvPr>
+        </p:nvSpPr>
+        <p:spPr>
+          <a:xfrm>
+            <a:off x="685800" y="1752600"/>
+            <a:ext cx="7772400" cy="4724400"/>
+          </a:xfrm>
+        </p:spPr>
+        <p:txBody>
+          <a:bodyPr>
+            <a:normAutofit fontScale="85000" lnSpcReduction="10000"/>
+          </a:bodyPr>
+          <a:lstStyle/>
+          <a:p>
+            <a:r>
+              <a:rPr lang="en-GB" dirty="0"/>
+              <a:t>Sorting is a classic subject in computer </a:t>
+            </a:r>
+            <a:r>
+              <a:rPr lang="en-GB" dirty="0" smtClean="0"/>
+              <a:t>science</a:t>
+            </a:r>
+          </a:p>
+          <a:p>
+            <a:endParaRPr lang="en-GB" dirty="0"/>
+          </a:p>
+          <a:p>
+            <a:r>
+              <a:rPr lang="en-GB" dirty="0" smtClean="0"/>
+              <a:t>Sorting </a:t>
+            </a:r>
+            <a:r>
+              <a:rPr lang="en-GB" dirty="0"/>
+              <a:t>algorithms </a:t>
+            </a:r>
+            <a:r>
+              <a:rPr lang="en-GB" dirty="0" smtClean="0"/>
+              <a:t>shows creative </a:t>
+            </a:r>
+            <a:r>
+              <a:rPr lang="en-GB" dirty="0"/>
+              <a:t>approaches to problem </a:t>
+            </a:r>
+            <a:r>
+              <a:rPr lang="en-GB" dirty="0" smtClean="0"/>
+              <a:t>solving (applied </a:t>
+            </a:r>
+            <a:r>
+              <a:rPr lang="en-GB" dirty="0"/>
+              <a:t>to solve </a:t>
+            </a:r>
+            <a:r>
+              <a:rPr lang="en-GB" dirty="0" smtClean="0"/>
+              <a:t>a variety of other problems)</a:t>
+            </a:r>
+          </a:p>
+          <a:p>
+            <a:r>
+              <a:rPr lang="en-GB" dirty="0" smtClean="0"/>
+              <a:t>Sorting </a:t>
+            </a:r>
+            <a:r>
+              <a:rPr lang="en-GB" dirty="0"/>
+              <a:t>algorithms are </a:t>
+            </a:r>
+            <a:r>
+              <a:rPr lang="en-GB" dirty="0" smtClean="0"/>
+              <a:t>good for </a:t>
+            </a:r>
+            <a:r>
+              <a:rPr lang="en-GB" dirty="0"/>
+              <a:t>practicing fundamental programming techniques using selection statements, loops, methods, and arrays. </a:t>
+            </a:r>
+            <a:endParaRPr lang="en-GB" dirty="0" smtClean="0"/>
+          </a:p>
+          <a:p>
+            <a:r>
+              <a:rPr lang="en-GB" dirty="0" smtClean="0"/>
+              <a:t>Sorting </a:t>
+            </a:r>
+            <a:r>
+              <a:rPr lang="en-GB" dirty="0"/>
+              <a:t>algorithms are excellent examples to demonstrate </a:t>
+            </a:r>
+            <a:r>
+              <a:rPr lang="en-GB" dirty="0" smtClean="0"/>
+              <a:t>algorithm performance</a:t>
+            </a:r>
+            <a:r>
+              <a:rPr lang="en-GB" dirty="0"/>
+              <a:t>.</a:t>
+            </a:r>
+          </a:p>
+        </p:txBody>
+      </p:sp>
+    </p:spTree>
+    <p:extLst>
+      <p:ext uri="{BB962C8B-B14F-4D97-AF65-F5344CB8AC3E}">
+        <p14:creationId xmlns:p14="http://schemas.microsoft.com/office/powerpoint/2010/main" val="189962975"/>
+      </p:ext>
+    </p:extLst>
+  </p:cSld>
+  <p:clrMapOvr>
+    <a:masterClrMapping/>
+  </p:clrMapOvr>
+</p:sld>
+</file>
+
+<file path=ppt/slides/slide27.xml><?xml version="1.0" encoding="utf-8"?>
+<p:sld xmlns:a="http://schemas.openxmlformats.org/drawingml/2006/main" xmlns:r="http://schemas.openxmlformats.org/officeDocument/2006/relationships" xmlns:p="http://schemas.openxmlformats.org/presentationml/2006/main">
+  <p:cSld>
+    <p:spTree>
+      <p:nvGrpSpPr>
+        <p:cNvPr id="1" name=""/>
+        <p:cNvGrpSpPr/>
+        <p:nvPr/>
+      </p:nvGrpSpPr>
+      <p:grpSpPr>
+        <a:xfrm>
+          <a:off x="0" y="0"/>
+          <a:ext cx="0" cy="0"/>
+          <a:chOff x="0" y="0"/>
+          <a:chExt cx="0" cy="0"/>
+        </a:xfrm>
+      </p:grpSpPr>
+      <p:sp>
+        <p:nvSpPr>
+          <p:cNvPr id="11266" name="Title 1"/>
+          <p:cNvSpPr>
+            <a:spLocks noGrp="1"/>
+          </p:cNvSpPr>
+          <p:nvPr>
+            <p:ph type="title"/>
+          </p:nvPr>
+        </p:nvSpPr>
+        <p:spPr/>
+        <p:txBody>
+          <a:bodyPr/>
+          <a:lstStyle/>
+          <a:p>
+            <a:r>
+              <a:rPr lang="en-GB" altLang="en-US" smtClean="0"/>
+              <a:t>This Week</a:t>
+            </a:r>
+          </a:p>
+        </p:txBody>
+      </p:sp>
+      <p:sp>
+        <p:nvSpPr>
+          <p:cNvPr id="11267" name="Content Placeholder 2"/>
+          <p:cNvSpPr>
+            <a:spLocks noGrp="1"/>
+          </p:cNvSpPr>
+          <p:nvPr>
+            <p:ph idx="1"/>
+          </p:nvPr>
+        </p:nvSpPr>
+        <p:spPr/>
+        <p:txBody>
+          <a:bodyPr/>
+          <a:lstStyle/>
+          <a:p>
+            <a:r>
+              <a:rPr lang="en-GB" altLang="en-US" dirty="0" smtClean="0"/>
+              <a:t>Read </a:t>
+            </a:r>
+            <a:r>
+              <a:rPr lang="en-GB" altLang="en-US" dirty="0"/>
+              <a:t>Associated </a:t>
+            </a:r>
+            <a:r>
+              <a:rPr lang="en-GB" altLang="en-US" dirty="0" smtClean="0"/>
+              <a:t>Chapters</a:t>
+            </a:r>
+          </a:p>
+          <a:p>
+            <a:r>
+              <a:rPr lang="en-GB" altLang="en-US" dirty="0" smtClean="0"/>
+              <a:t>Review Slides</a:t>
+            </a:r>
+          </a:p>
+          <a:p>
+            <a:r>
+              <a:rPr lang="en-GB" altLang="en-US" dirty="0" smtClean="0"/>
+              <a:t>Java Exercises</a:t>
+            </a:r>
+          </a:p>
+          <a:p>
+            <a:r>
+              <a:rPr lang="en-GB" altLang="en-US" dirty="0" smtClean="0"/>
+              <a:t>Online Quizzes</a:t>
+            </a:r>
+          </a:p>
+        </p:txBody>
+      </p:sp>
+    </p:spTree>
+  </p:cSld>
+  <p:clrMapOvr>
+    <a:masterClrMapping/>
+  </p:clrMapOvr>
+</p:sld>
+</file>
+
+<file path=ppt/slides/slide28.xml><?xml version="1.0" encoding="utf-8"?>
+<p:sld xmlns:a="http://schemas.openxmlformats.org/drawingml/2006/main" xmlns:r="http://schemas.openxmlformats.org/officeDocument/2006/relationships" xmlns:p="http://schemas.openxmlformats.org/presentationml/2006/main">
+  <p:cSld>
+    <p:spTree>
+      <p:nvGrpSpPr>
+        <p:cNvPr id="1" name=""/>
+        <p:cNvGrpSpPr/>
+        <p:nvPr/>
+      </p:nvGrpSpPr>
+      <p:grpSpPr>
+        <a:xfrm>
+          <a:off x="0" y="0"/>
+          <a:ext cx="0" cy="0"/>
+          <a:chOff x="0" y="0"/>
+          <a:chExt cx="0" cy="0"/>
+        </a:xfrm>
+      </p:grpSpPr>
+      <p:sp>
+        <p:nvSpPr>
+          <p:cNvPr id="12290" name="Title 1"/>
+          <p:cNvSpPr>
+            <a:spLocks noGrp="1"/>
+          </p:cNvSpPr>
+          <p:nvPr>
+            <p:ph type="title"/>
+          </p:nvPr>
+        </p:nvSpPr>
+        <p:spPr/>
+        <p:txBody>
+          <a:bodyPr/>
+          <a:lstStyle/>
+          <a:p>
+            <a:r>
+              <a:rPr lang="en-GB" altLang="en-US" smtClean="0"/>
+              <a:t>Summary</a:t>
+            </a:r>
+          </a:p>
+        </p:txBody>
+      </p:sp>
+      <p:sp>
+        <p:nvSpPr>
+          <p:cNvPr id="12291" name="Content Placeholder 2"/>
+          <p:cNvSpPr>
+            <a:spLocks noGrp="1"/>
+          </p:cNvSpPr>
+          <p:nvPr>
+            <p:ph idx="1"/>
+          </p:nvPr>
+        </p:nvSpPr>
+        <p:spPr/>
+        <p:txBody>
+          <a:bodyPr/>
+          <a:lstStyle/>
+          <a:p>
+            <a:r>
+              <a:rPr lang="en-GB" altLang="en-US" dirty="0" smtClean="0"/>
+              <a:t>Overview Common Java Classes</a:t>
+            </a:r>
+          </a:p>
+          <a:p>
+            <a:r>
+              <a:rPr lang="en-GB" altLang="en-US" dirty="0" smtClean="0"/>
+              <a:t>Hands-On/Practical</a:t>
+            </a:r>
+          </a:p>
+          <a:p>
+            <a:r>
+              <a:rPr lang="en-GB" altLang="en-US" dirty="0" smtClean="0"/>
+              <a:t>Today is about becoming familiar with Common Classes in Java</a:t>
             </a:r>
           </a:p>
         </p:txBody>
@@ -3971,6 +6295,128 @@
       </p:par>
     </p:tnLst>
   </p:timing>
+</p:sld>
+</file>
+
+<file path=ppt/slides/slide29.xml><?xml version="1.0" encoding="utf-8"?>
+<p:sld xmlns:a="http://schemas.openxmlformats.org/drawingml/2006/main" xmlns:r="http://schemas.openxmlformats.org/officeDocument/2006/relationships" xmlns:p="http://schemas.openxmlformats.org/presentationml/2006/main">
+  <p:cSld>
+    <p:spTree>
+      <p:nvGrpSpPr>
+        <p:cNvPr id="1" name=""/>
+        <p:cNvGrpSpPr/>
+        <p:nvPr/>
+      </p:nvGrpSpPr>
+      <p:grpSpPr>
+        <a:xfrm>
+          <a:off x="0" y="0"/>
+          <a:ext cx="0" cy="0"/>
+          <a:chOff x="0" y="0"/>
+          <a:chExt cx="0" cy="0"/>
+        </a:xfrm>
+      </p:grpSpPr>
+      <p:sp>
+        <p:nvSpPr>
+          <p:cNvPr id="2" name="Title 1"/>
+          <p:cNvSpPr>
+            <a:spLocks noGrp="1"/>
+          </p:cNvSpPr>
+          <p:nvPr>
+            <p:ph type="title"/>
+          </p:nvPr>
+        </p:nvSpPr>
+        <p:spPr/>
+        <p:txBody>
+          <a:bodyPr/>
+          <a:lstStyle/>
+          <a:p>
+            <a:r>
+              <a:rPr lang="en-GB" dirty="0" smtClean="0"/>
+              <a:t>Exercises</a:t>
+            </a:r>
+            <a:endParaRPr lang="en-GB" dirty="0"/>
+          </a:p>
+        </p:txBody>
+      </p:sp>
+      <p:sp>
+        <p:nvSpPr>
+          <p:cNvPr id="3" name="Content Placeholder 2"/>
+          <p:cNvSpPr>
+            <a:spLocks noGrp="1"/>
+          </p:cNvSpPr>
+          <p:nvPr>
+            <p:ph idx="1"/>
+          </p:nvPr>
+        </p:nvSpPr>
+        <p:spPr>
+          <a:xfrm>
+            <a:off x="685800" y="1981200"/>
+            <a:ext cx="8077200" cy="4114800"/>
+          </a:xfrm>
+        </p:spPr>
+        <p:txBody>
+          <a:bodyPr/>
+          <a:lstStyle/>
+          <a:p>
+            <a:r>
+              <a:rPr lang="en-GB" smtClean="0"/>
+              <a:t>Chapter </a:t>
+            </a:r>
+            <a:r>
+              <a:rPr lang="en-GB" smtClean="0"/>
+              <a:t>24.1-24.3</a:t>
+            </a:r>
+            <a:endParaRPr lang="en-GB" dirty="0" smtClean="0"/>
+          </a:p>
+          <a:p>
+            <a:endParaRPr lang="en-GB" dirty="0" smtClean="0"/>
+          </a:p>
+          <a:p>
+            <a:r>
+              <a:rPr lang="en-GB" dirty="0" smtClean="0"/>
+              <a:t>Extended </a:t>
+            </a:r>
+            <a:r>
+              <a:rPr lang="en-GB" dirty="0" smtClean="0"/>
+              <a:t>Chapters</a:t>
+            </a:r>
+          </a:p>
+          <a:p>
+            <a:r>
+              <a:rPr lang="en-GB" dirty="0"/>
+              <a:t>Note you’ll need to use concepts, such as, </a:t>
+            </a:r>
+            <a:r>
+              <a:rPr lang="en-GB" b="1" dirty="0"/>
+              <a:t>Comparable</a:t>
+            </a:r>
+            <a:r>
+              <a:rPr lang="en-GB" dirty="0"/>
+              <a:t>, which we covered in Lecture 4 (i.e., inherence and interfaces)</a:t>
+            </a:r>
+          </a:p>
+          <a:p>
+            <a:pPr lvl="1"/>
+            <a:r>
+              <a:rPr lang="en-GB" dirty="0"/>
+              <a:t>Chapter 14 in the Recommended Text</a:t>
+            </a:r>
+          </a:p>
+          <a:p>
+            <a:endParaRPr lang="en-GB" dirty="0"/>
+          </a:p>
+        </p:txBody>
+      </p:sp>
+    </p:spTree>
+    <p:extLst>
+      <p:ext uri="{BB962C8B-B14F-4D97-AF65-F5344CB8AC3E}">
+        <p14:creationId xmlns:p14="http://schemas.microsoft.com/office/powerpoint/2010/main" val="2247528118"/>
+      </p:ext>
+    </p:extLst>
+  </p:cSld>
+  <p:clrMapOvr>
+    <a:masterClrMapping/>
+  </p:clrMapOvr>
 </p:sld>
 </file>
 
@@ -3993,9 +6439,9 @@
       </p:grpSpPr>
       <p:sp>
         <p:nvSpPr>
-          <p:cNvPr id="2" name="Title 1"/>
-          <p:cNvSpPr>
-            <a:spLocks noGrp="1"/>
+          <p:cNvPr id="10242" name="Rectangle 2"/>
+          <p:cNvSpPr>
+            <a:spLocks noGrp="1" noChangeArrowheads="1"/>
           </p:cNvSpPr>
           <p:nvPr>
             <p:ph type="title"/>
@@ -4006,39 +6452,167 @@
           <a:bodyPr/>
           <a:lstStyle/>
           <a:p>
-            <a:endParaRPr lang="en-GB"/>
-          </a:p>
-        </p:txBody>
-      </p:sp>
-      <p:sp>
-        <p:nvSpPr>
-          <p:cNvPr id="3" name="Content Placeholder 2"/>
-          <p:cNvSpPr>
-            <a:spLocks noGrp="1"/>
+            <a:pPr eaLnBrk="1" hangingPunct="1"/>
+            <a:r>
+              <a:rPr lang="en-US" altLang="en-US" smtClean="0"/>
+              <a:t>Outline</a:t>
+            </a:r>
+          </a:p>
+        </p:txBody>
+      </p:sp>
+      <p:sp>
+        <p:nvSpPr>
+          <p:cNvPr id="10243" name="Rectangle 3"/>
+          <p:cNvSpPr>
+            <a:spLocks noGrp="1" noChangeArrowheads="1"/>
           </p:cNvSpPr>
           <p:nvPr>
             <p:ph idx="1"/>
           </p:nvPr>
         </p:nvSpPr>
-        <p:spPr/>
+        <p:spPr>
+          <a:xfrm>
+            <a:off x="685800" y="1981200"/>
+            <a:ext cx="7772400" cy="4572000"/>
+          </a:xfrm>
+        </p:spPr>
         <p:txBody>
           <a:bodyPr/>
           <a:lstStyle/>
           <a:p>
-            <a:endParaRPr lang="en-GB"/>
+            <a:pPr eaLnBrk="1" hangingPunct="1"/>
+            <a:r>
+              <a:rPr lang="en-US" altLang="en-US" dirty="0" smtClean="0"/>
+              <a:t>Review</a:t>
+            </a:r>
+          </a:p>
+          <a:p>
+            <a:pPr eaLnBrk="1" hangingPunct="1"/>
+            <a:r>
+              <a:rPr lang="en-US" altLang="en-US" dirty="0" smtClean="0"/>
+              <a:t>Common Classes in Java</a:t>
+            </a:r>
+          </a:p>
+          <a:p>
+            <a:pPr eaLnBrk="1" hangingPunct="1"/>
+            <a:r>
+              <a:rPr lang="en-US" altLang="en-US" dirty="0" smtClean="0"/>
+              <a:t>Today’s Practical</a:t>
+            </a:r>
+          </a:p>
+          <a:p>
+            <a:pPr eaLnBrk="1" hangingPunct="1"/>
+            <a:r>
+              <a:rPr lang="en-US" altLang="en-US" dirty="0" smtClean="0"/>
+              <a:t>Review/Discussion</a:t>
+            </a:r>
           </a:p>
         </p:txBody>
       </p:sp>
     </p:spTree>
-    <p:extLst>
-      <p:ext uri="{BB962C8B-B14F-4D97-AF65-F5344CB8AC3E}">
-        <p14:creationId xmlns:p14="http://schemas.microsoft.com/office/powerpoint/2010/main" val="563476804"/>
-      </p:ext>
-    </p:extLst>
   </p:cSld>
   <p:clrMapOvr>
     <a:masterClrMapping/>
   </p:clrMapOvr>
+  <p:timing>
+    <p:tnLst>
+      <p:par>
+        <p:cTn id="1" dur="indefinite" restart="never" nodeType="tmRoot"/>
+      </p:par>
+    </p:tnLst>
+  </p:timing>
+</p:sld>
+</file>
+
+<file path=ppt/slides/slide30.xml><?xml version="1.0" encoding="utf-8"?>
+<p:sld xmlns:a="http://schemas.openxmlformats.org/drawingml/2006/main" xmlns:r="http://schemas.openxmlformats.org/officeDocument/2006/relationships" xmlns:p="http://schemas.openxmlformats.org/presentationml/2006/main">
+  <p:cSld>
+    <p:spTree>
+      <p:nvGrpSpPr>
+        <p:cNvPr id="1" name=""/>
+        <p:cNvGrpSpPr/>
+        <p:nvPr/>
+      </p:nvGrpSpPr>
+      <p:grpSpPr>
+        <a:xfrm>
+          <a:off x="0" y="0"/>
+          <a:ext cx="0" cy="0"/>
+          <a:chOff x="0" y="0"/>
+          <a:chExt cx="0" cy="0"/>
+        </a:xfrm>
+      </p:grpSpPr>
+      <p:sp>
+        <p:nvSpPr>
+          <p:cNvPr id="13314" name="Title 1"/>
+          <p:cNvSpPr>
+            <a:spLocks noGrp="1"/>
+          </p:cNvSpPr>
+          <p:nvPr>
+            <p:ph type="title"/>
+          </p:nvPr>
+        </p:nvSpPr>
+        <p:spPr/>
+        <p:txBody>
+          <a:bodyPr/>
+          <a:lstStyle/>
+          <a:p>
+            <a:pPr eaLnBrk="1" hangingPunct="1"/>
+            <a:r>
+              <a:rPr lang="en-GB" altLang="en-US" smtClean="0"/>
+              <a:t>Questions/Discussion</a:t>
+            </a:r>
+          </a:p>
+        </p:txBody>
+      </p:sp>
+      <p:sp>
+        <p:nvSpPr>
+          <p:cNvPr id="13315" name="Content Placeholder 2"/>
+          <p:cNvSpPr>
+            <a:spLocks noGrp="1"/>
+          </p:cNvSpPr>
+          <p:nvPr>
+            <p:ph idx="1"/>
+          </p:nvPr>
+        </p:nvSpPr>
+        <p:spPr/>
+        <p:txBody>
+          <a:bodyPr/>
+          <a:lstStyle/>
+          <a:p>
+            <a:pPr marL="0" indent="0">
+              <a:buNone/>
+            </a:pPr>
+            <a:r>
+              <a:rPr lang="en-GB" dirty="0"/>
+              <a:t>No Lecture</a:t>
+            </a:r>
+          </a:p>
+          <a:p>
+            <a:r>
+              <a:rPr lang="en-GB" dirty="0"/>
+              <a:t>*Revision Week	[28/11/2017]	</a:t>
+            </a:r>
+          </a:p>
+          <a:p>
+            <a:pPr marL="0" indent="0" eaLnBrk="1" hangingPunct="1">
+              <a:buNone/>
+            </a:pPr>
+            <a:endParaRPr lang="en-GB" altLang="en-US" dirty="0" smtClean="0"/>
+          </a:p>
+        </p:txBody>
+      </p:sp>
+    </p:spTree>
+  </p:cSld>
+  <p:clrMapOvr>
+    <a:masterClrMapping/>
+  </p:clrMapOvr>
+  <p:timing>
+    <p:tnLst>
+      <p:par>
+        <p:cTn id="1" dur="indefinite" restart="never" nodeType="tmRoot"/>
+      </p:par>
+    </p:tnLst>
+  </p:timing>
 </p:sld>
 </file>
 
@@ -4061,7 +6635,7 @@
       </p:grpSpPr>
       <p:sp>
         <p:nvSpPr>
-          <p:cNvPr id="11266" name="Title 1"/>
+          <p:cNvPr id="2" name="Title 1"/>
           <p:cNvSpPr>
             <a:spLocks noGrp="1"/>
           </p:cNvSpPr>
@@ -4069,21 +6643,27 @@
             <p:ph type="title"/>
           </p:nvPr>
         </p:nvSpPr>
-        <p:spPr/>
+        <p:spPr>
+          <a:xfrm>
+            <a:off x="685800" y="-152400"/>
+            <a:ext cx="7772400" cy="1143000"/>
+          </a:xfrm>
+        </p:spPr>
         <p:txBody>
           <a:bodyPr/>
           <a:lstStyle/>
           <a:p>
             <a:r>
-              <a:rPr lang="en-GB" altLang="en-US" smtClean="0"/>
-              <a:t>This Week</a:t>
-            </a:r>
-          </a:p>
-        </p:txBody>
-      </p:sp>
-      <p:sp>
-        <p:nvSpPr>
-          <p:cNvPr id="11267" name="Content Placeholder 2"/>
+              <a:rPr lang="en-US" dirty="0" smtClean="0"/>
+              <a:t>Revision Question</a:t>
+            </a:r>
+            <a:endParaRPr lang="en-US" dirty="0"/>
+          </a:p>
+        </p:txBody>
+      </p:sp>
+      <p:sp>
+        <p:nvSpPr>
+          <p:cNvPr id="3" name="Content Placeholder 2"/>
           <p:cNvSpPr>
             <a:spLocks noGrp="1"/>
           </p:cNvSpPr>
@@ -4091,40 +6671,268 @@
             <p:ph idx="1"/>
           </p:nvPr>
         </p:nvSpPr>
-        <p:spPr/>
+        <p:spPr>
+          <a:xfrm>
+            <a:off x="685800" y="838200"/>
+            <a:ext cx="7772400" cy="4114800"/>
+          </a:xfrm>
+        </p:spPr>
         <p:txBody>
           <a:bodyPr/>
           <a:lstStyle/>
           <a:p>
             <a:r>
-              <a:rPr lang="en-GB" altLang="en-US" dirty="0" smtClean="0"/>
-              <a:t>Read </a:t>
-            </a:r>
-            <a:r>
-              <a:rPr lang="en-GB" altLang="en-US" dirty="0"/>
-              <a:t>Associated </a:t>
-            </a:r>
-            <a:r>
-              <a:rPr lang="en-GB" altLang="en-US" dirty="0" smtClean="0"/>
-              <a:t>Chapters</a:t>
-            </a:r>
-            <a:endParaRPr lang="en-GB" altLang="en-US" dirty="0" smtClean="0"/>
-          </a:p>
-          <a:p>
-            <a:r>
-              <a:rPr lang="en-GB" altLang="en-US" dirty="0" smtClean="0"/>
-              <a:t>Review Slides</a:t>
-            </a:r>
-          </a:p>
-          <a:p>
-            <a:r>
-              <a:rPr lang="en-GB" altLang="en-US" dirty="0" smtClean="0"/>
-              <a:t>Java Exercises</a:t>
-            </a:r>
+              <a:rPr lang="en-US" dirty="0" smtClean="0"/>
+              <a:t>What does the following program print?</a:t>
+            </a:r>
+            <a:endParaRPr lang="en-US" dirty="0"/>
+          </a:p>
+        </p:txBody>
+      </p:sp>
+      <p:pic>
+        <p:nvPicPr>
+          <p:cNvPr id="2050" name="Picture 2"/>
+          <p:cNvPicPr>
+            <a:picLocks noChangeAspect="1" noChangeArrowheads="1"/>
+          </p:cNvPicPr>
+          <p:nvPr/>
+        </p:nvPicPr>
+        <p:blipFill>
+          <a:blip r:embed="rId2"/>
+          <a:srcRect/>
+          <a:stretch>
+            <a:fillRect/>
+          </a:stretch>
+        </p:blipFill>
+        <p:spPr bwMode="auto">
+          <a:xfrm>
+            <a:off x="762000" y="1600200"/>
+            <a:ext cx="6019800" cy="3846799"/>
+          </a:xfrm>
+          <a:prstGeom prst="rect">
+            <a:avLst/>
+          </a:prstGeom>
+          <a:noFill/>
+          <a:ln w="9525">
+            <a:noFill/>
+            <a:miter lim="800000"/>
+            <a:headEnd/>
+            <a:tailEnd/>
+          </a:ln>
+          <a:effectLst/>
+        </p:spPr>
+      </p:pic>
+      <p:sp>
+        <p:nvSpPr>
+          <p:cNvPr id="5" name="Content Placeholder 2"/>
+          <p:cNvSpPr txBox="1">
+            <a:spLocks/>
+          </p:cNvSpPr>
+          <p:nvPr/>
+        </p:nvSpPr>
+        <p:spPr bwMode="auto">
+          <a:xfrm>
+            <a:off x="3810000" y="5334000"/>
+            <a:ext cx="4953000" cy="1143000"/>
+          </a:xfrm>
+          <a:prstGeom prst="rect">
+            <a:avLst/>
+          </a:prstGeom>
+          <a:noFill/>
+          <a:ln>
+            <a:noFill/>
+          </a:ln>
+          <a:effectLst/>
+          <a:extLst>
+            <a:ext uri="{909E8E84-426E-40DD-AFC4-6F175D3DCCD1}">
+              <a14:hiddenFill xmlns:a14="http://schemas.microsoft.com/office/drawing/2010/main">
+                <a:solidFill>
+                  <a:schemeClr val="accent1"/>
+                </a:solidFill>
+              </a14:hiddenFill>
+            </a:ext>
+            <a:ext uri="{91240B29-F687-4F45-9708-019B960494DF}">
+              <a14:hiddenLine xmlns:a14="http://schemas.microsoft.com/office/drawing/2010/main" w="9525">
+                <a:solidFill>
+                  <a:schemeClr val="tx1"/>
+                </a:solidFill>
+                <a:miter lim="800000"/>
+                <a:headEnd/>
+                <a:tailEnd/>
+              </a14:hiddenLine>
+            </a:ext>
+            <a:ext uri="{AF507438-7753-43E0-B8FC-AC1667EBCBE1}">
+              <a14:hiddenEffects xmlns:a14="http://schemas.microsoft.com/office/drawing/2010/main">
+                <a:effectLst>
+                  <a:outerShdw dist="35921" dir="2700000" algn="ctr" rotWithShape="0">
+                    <a:schemeClr val="bg2"/>
+                  </a:outerShdw>
+                </a:effectLst>
+              </a14:hiddenEffects>
+            </a:ext>
+          </a:extLst>
+        </p:spPr>
+        <p:txBody>
+          <a:bodyPr vert="horz" wrap="square" lIns="91440" tIns="45720" rIns="91440" bIns="45720" numCol="1" anchor="t" anchorCtr="0" compatLnSpc="1">
+            <a:prstTxWarp prst="textNoShape">
+              <a:avLst/>
+            </a:prstTxWarp>
+          </a:bodyPr>
+          <a:lstStyle/>
+          <a:p>
+            <a:pPr marL="514350" marR="0" lvl="0" indent="-514350" algn="l" defTabSz="914400" rtl="0" eaLnBrk="0" fontAlgn="base" latinLnBrk="0" hangingPunct="0">
+              <a:lnSpc>
+                <a:spcPct val="100000"/>
+              </a:lnSpc>
+              <a:spcBef>
+                <a:spcPct val="20000"/>
+              </a:spcBef>
+              <a:spcAft>
+                <a:spcPct val="0"/>
+              </a:spcAft>
+              <a:buClrTx/>
+              <a:buSzTx/>
+              <a:buAutoNum type="alphaLcParenR"/>
+              <a:tabLst/>
+              <a:defRPr/>
+            </a:pPr>
+            <a:r>
+              <a:rPr kumimoji="0" lang="en-US" sz="1800" b="1" i="0" u="none" strike="noStrike" kern="1200" cap="none" spc="0" normalizeH="0" noProof="0" dirty="0" smtClean="0">
+                <a:ln>
+                  <a:noFill/>
+                </a:ln>
+                <a:solidFill>
+                  <a:srgbClr val="000000"/>
+                </a:solidFill>
+                <a:effectLst/>
+                <a:uLnTx/>
+                <a:uFillTx/>
+                <a:latin typeface="+mn-lt"/>
+                <a:ea typeface="+mn-ea"/>
+                <a:cs typeface="+mn-cs"/>
+              </a:rPr>
+              <a:t>Pain, Gain or Main (varies randomly)</a:t>
+            </a:r>
+          </a:p>
+          <a:p>
+            <a:pPr marL="514350" marR="0" lvl="0" indent="-514350" algn="l" defTabSz="914400" rtl="0" eaLnBrk="0" fontAlgn="base" latinLnBrk="0" hangingPunct="0">
+              <a:lnSpc>
+                <a:spcPct val="100000"/>
+              </a:lnSpc>
+              <a:spcBef>
+                <a:spcPct val="20000"/>
+              </a:spcBef>
+              <a:spcAft>
+                <a:spcPct val="0"/>
+              </a:spcAft>
+              <a:buClrTx/>
+              <a:buSzTx/>
+              <a:buAutoNum type="alphaLcParenR"/>
+              <a:tabLst/>
+              <a:defRPr/>
+            </a:pPr>
+            <a:r>
+              <a:rPr lang="en-US" sz="1800" b="1" baseline="0" dirty="0" smtClean="0">
+                <a:solidFill>
+                  <a:srgbClr val="000000"/>
+                </a:solidFill>
+                <a:latin typeface="+mn-lt"/>
+              </a:rPr>
+              <a:t>Pain or Main (varies randomly)</a:t>
+            </a:r>
+          </a:p>
+          <a:p>
+            <a:pPr marL="514350" marR="0" lvl="0" indent="-514350" algn="l" defTabSz="914400" rtl="0" eaLnBrk="0" fontAlgn="base" latinLnBrk="0" hangingPunct="0">
+              <a:lnSpc>
+                <a:spcPct val="100000"/>
+              </a:lnSpc>
+              <a:spcBef>
+                <a:spcPct val="20000"/>
+              </a:spcBef>
+              <a:spcAft>
+                <a:spcPct val="0"/>
+              </a:spcAft>
+              <a:buClrTx/>
+              <a:buSzTx/>
+              <a:buAutoNum type="alphaLcParenR"/>
+              <a:tabLst/>
+              <a:defRPr/>
+            </a:pPr>
+            <a:r>
+              <a:rPr kumimoji="0" lang="en-US" sz="1800" b="1" i="0" u="none" strike="noStrike" kern="1200" cap="none" spc="0" normalizeH="0" noProof="0" dirty="0" smtClean="0">
+                <a:ln>
+                  <a:noFill/>
+                </a:ln>
+                <a:solidFill>
+                  <a:srgbClr val="000000"/>
+                </a:solidFill>
+                <a:effectLst/>
+                <a:uLnTx/>
+                <a:uFillTx/>
+                <a:latin typeface="+mn-lt"/>
+                <a:ea typeface="+mn-ea"/>
+                <a:cs typeface="+mn-cs"/>
+              </a:rPr>
+              <a:t>Main (always)</a:t>
+            </a:r>
+          </a:p>
+          <a:p>
+            <a:pPr marL="514350" marR="0" lvl="0" indent="-514350" algn="l" defTabSz="914400" rtl="0" eaLnBrk="0" fontAlgn="base" latinLnBrk="0" hangingPunct="0">
+              <a:lnSpc>
+                <a:spcPct val="100000"/>
+              </a:lnSpc>
+              <a:spcBef>
+                <a:spcPct val="20000"/>
+              </a:spcBef>
+              <a:spcAft>
+                <a:spcPct val="0"/>
+              </a:spcAft>
+              <a:buClrTx/>
+              <a:buSzTx/>
+              <a:buAutoNum type="alphaLcParenR"/>
+              <a:tabLst/>
+              <a:defRPr/>
+            </a:pPr>
+            <a:r>
+              <a:rPr kumimoji="0" lang="en-US" sz="1800" b="1" i="0" u="none" strike="noStrike" kern="1200" cap="none" spc="0" normalizeH="0" noProof="0" dirty="0" smtClean="0">
+                <a:ln>
+                  <a:noFill/>
+                </a:ln>
+                <a:solidFill>
+                  <a:srgbClr val="000000"/>
+                </a:solidFill>
+                <a:effectLst/>
+                <a:uLnTx/>
+                <a:uFillTx/>
+                <a:latin typeface="+mn-lt"/>
+                <a:ea typeface="+mn-ea"/>
+                <a:cs typeface="+mn-cs"/>
+              </a:rPr>
+              <a:t>None of the above</a:t>
+            </a:r>
+            <a:endParaRPr kumimoji="0" lang="en-US" sz="1800" b="1" i="0" u="none" strike="noStrike" kern="1200" cap="none" spc="0" normalizeH="0" baseline="0" noProof="0" dirty="0">
+              <a:ln>
+                <a:noFill/>
+              </a:ln>
+              <a:solidFill>
+                <a:srgbClr val="000000"/>
+              </a:solidFill>
+              <a:effectLst/>
+              <a:uLnTx/>
+              <a:uFillTx/>
+              <a:latin typeface="+mn-lt"/>
+              <a:ea typeface="+mn-ea"/>
+              <a:cs typeface="+mn-cs"/>
+            </a:endParaRPr>
           </a:p>
         </p:txBody>
       </p:sp>
     </p:spTree>
+    <p:extLst>
+      <p:ext uri="{BB962C8B-B14F-4D97-AF65-F5344CB8AC3E}">
+        <p14:creationId xmlns:p14="http://schemas.microsoft.com/office/powerpoint/2010/main" val="1171536673"/>
+      </p:ext>
+    </p:extLst>
   </p:cSld>
   <p:clrMapOvr>
     <a:masterClrMapping/>
@@ -4151,7 +6959,7 @@
       </p:grpSpPr>
       <p:sp>
         <p:nvSpPr>
-          <p:cNvPr id="12290" name="Title 1"/>
+          <p:cNvPr id="2" name="Title 1"/>
           <p:cNvSpPr>
             <a:spLocks noGrp="1"/>
           </p:cNvSpPr>
@@ -4165,15 +6973,16 @@
           <a:lstStyle/>
           <a:p>
             <a:r>
-              <a:rPr lang="en-GB" altLang="en-US" smtClean="0"/>
-              <a:t>Summary</a:t>
-            </a:r>
-          </a:p>
-        </p:txBody>
-      </p:sp>
-      <p:sp>
-        <p:nvSpPr>
-          <p:cNvPr id="12291" name="Content Placeholder 2"/>
+              <a:rPr lang="en-GB" dirty="0" smtClean="0"/>
+              <a:t>Answer</a:t>
+            </a:r>
+            <a:endParaRPr lang="en-GB" dirty="0"/>
+          </a:p>
+        </p:txBody>
+      </p:sp>
+      <p:sp>
+        <p:nvSpPr>
+          <p:cNvPr id="3" name="Content Placeholder 2"/>
           <p:cNvSpPr>
             <a:spLocks noGrp="1"/>
           </p:cNvSpPr>
@@ -4187,50 +6996,46 @@
           <a:lstStyle/>
           <a:p>
             <a:r>
-              <a:rPr lang="en-GB" altLang="en-US" dirty="0" smtClean="0"/>
-              <a:t>Overview Essential Java </a:t>
-            </a:r>
-            <a:r>
-              <a:rPr lang="en-GB" altLang="en-US" dirty="0" smtClean="0"/>
-              <a:t>Classes</a:t>
-            </a:r>
-            <a:endParaRPr lang="en-GB" altLang="en-US" dirty="0" smtClean="0"/>
-          </a:p>
-          <a:p>
-            <a:r>
-              <a:rPr lang="en-GB" altLang="en-US" dirty="0" smtClean="0"/>
-              <a:t>Hands-On/Practical</a:t>
-            </a:r>
-          </a:p>
-          <a:p>
-            <a:r>
-              <a:rPr lang="en-GB" altLang="en-US" dirty="0" smtClean="0"/>
-              <a:t>Today is about </a:t>
-            </a:r>
-            <a:r>
-              <a:rPr lang="en-GB" altLang="en-US" dirty="0" smtClean="0"/>
-              <a:t>becoming familiar with Common Classes </a:t>
-            </a:r>
-            <a:r>
-              <a:rPr lang="en-GB" altLang="en-US" smtClean="0"/>
-              <a:t>in Java</a:t>
-            </a:r>
-            <a:endParaRPr lang="en-GB" altLang="en-US" dirty="0" smtClean="0"/>
+              <a:rPr lang="en-GB" dirty="0" smtClean="0"/>
+              <a:t>Missing ‘break’ statement</a:t>
+            </a:r>
+          </a:p>
+          <a:p>
+            <a:r>
+              <a:rPr lang="en-GB" dirty="0" smtClean="0"/>
+              <a:t>Random 0 and 1</a:t>
+            </a:r>
+          </a:p>
+          <a:p>
+            <a:pPr marL="0" indent="0">
+              <a:buNone/>
+            </a:pPr>
+            <a:endParaRPr lang="en-GB" dirty="0"/>
+          </a:p>
+          <a:p>
+            <a:pPr marL="0" indent="0">
+              <a:buNone/>
+            </a:pPr>
+            <a:r>
+              <a:rPr lang="en-GB" dirty="0" smtClean="0"/>
+              <a:t>c) Always ‘Main’</a:t>
+            </a:r>
+          </a:p>
+          <a:p>
+            <a:endParaRPr lang="en-GB" dirty="0"/>
           </a:p>
         </p:txBody>
       </p:sp>
     </p:spTree>
+    <p:extLst>
+      <p:ext uri="{BB962C8B-B14F-4D97-AF65-F5344CB8AC3E}">
+        <p14:creationId xmlns:p14="http://schemas.microsoft.com/office/powerpoint/2010/main" val="4123185549"/>
+      </p:ext>
+    </p:extLst>
   </p:cSld>
   <p:clrMapOvr>
     <a:masterClrMapping/>
   </p:clrMapOvr>
-  <p:timing>
-    <p:tnLst>
-      <p:par>
-        <p:cTn id="1" dur="indefinite" restart="never" nodeType="tmRoot"/>
-      </p:par>
-    </p:tnLst>
-  </p:timing>
 </p:sld>
 </file>
 
@@ -4251,9 +7056,123 @@
           <a:chExt cx="0" cy="0"/>
         </a:xfrm>
       </p:grpSpPr>
-      <p:sp>
-        <p:nvSpPr>
-          <p:cNvPr id="13314" name="Title 1"/>
+      <p:grpSp>
+        <p:nvGrpSpPr>
+          <p:cNvPr id="3" name="Group 2"/>
+          <p:cNvGrpSpPr/>
+          <p:nvPr/>
+        </p:nvGrpSpPr>
+        <p:grpSpPr>
+          <a:xfrm>
+            <a:off x="0" y="0"/>
+            <a:ext cx="8948951" cy="6858000"/>
+            <a:chOff x="0" y="0"/>
+            <a:chExt cx="8948951" cy="6858000"/>
+          </a:xfrm>
+        </p:grpSpPr>
+        <p:pic>
+          <p:nvPicPr>
+            <p:cNvPr id="1028" name="Picture 4"/>
+            <p:cNvPicPr>
+              <a:picLocks noChangeAspect="1" noChangeArrowheads="1"/>
+            </p:cNvPicPr>
+            <p:nvPr/>
+          </p:nvPicPr>
+          <p:blipFill>
+            <a:blip r:embed="rId2"/>
+            <a:srcRect/>
+            <a:stretch>
+              <a:fillRect/>
+            </a:stretch>
+          </p:blipFill>
+          <p:spPr bwMode="auto">
+            <a:xfrm>
+              <a:off x="5943600" y="0"/>
+              <a:ext cx="2857500" cy="3214688"/>
+            </a:xfrm>
+            <a:prstGeom prst="rect">
+              <a:avLst/>
+            </a:prstGeom>
+            <a:noFill/>
+            <a:ln w="9525">
+              <a:noFill/>
+              <a:miter lim="800000"/>
+              <a:headEnd/>
+              <a:tailEnd/>
+            </a:ln>
+            <a:effectLst/>
+          </p:spPr>
+        </p:pic>
+        <p:pic>
+          <p:nvPicPr>
+            <p:cNvPr id="1027" name="Picture 3"/>
+            <p:cNvPicPr>
+              <a:picLocks noChangeAspect="1" noChangeArrowheads="1"/>
+            </p:cNvPicPr>
+            <p:nvPr/>
+          </p:nvPicPr>
+          <p:blipFill>
+            <a:blip r:embed="rId3"/>
+            <a:srcRect/>
+            <a:stretch>
+              <a:fillRect/>
+            </a:stretch>
+          </p:blipFill>
+          <p:spPr bwMode="auto">
+            <a:xfrm>
+              <a:off x="5867400" y="3124200"/>
+              <a:ext cx="3081551" cy="3724275"/>
+            </a:xfrm>
+            <a:prstGeom prst="rect">
+              <a:avLst/>
+            </a:prstGeom>
+            <a:noFill/>
+            <a:ln w="9525">
+              <a:noFill/>
+              <a:miter lim="800000"/>
+              <a:headEnd/>
+              <a:tailEnd/>
+            </a:ln>
+            <a:effectLst/>
+          </p:spPr>
+        </p:pic>
+        <p:pic>
+          <p:nvPicPr>
+            <p:cNvPr id="1026" name="Picture 2"/>
+            <p:cNvPicPr>
+              <a:picLocks noChangeAspect="1" noChangeArrowheads="1"/>
+            </p:cNvPicPr>
+            <p:nvPr/>
+          </p:nvPicPr>
+          <p:blipFill>
+            <a:blip r:embed="rId4"/>
+            <a:srcRect/>
+            <a:stretch>
+              <a:fillRect/>
+            </a:stretch>
+          </p:blipFill>
+          <p:spPr bwMode="auto">
+            <a:xfrm>
+              <a:off x="0" y="361950"/>
+              <a:ext cx="5905500" cy="6496050"/>
+            </a:xfrm>
+            <a:prstGeom prst="rect">
+              <a:avLst/>
+            </a:prstGeom>
+            <a:noFill/>
+            <a:ln w="9525">
+              <a:noFill/>
+              <a:miter lim="800000"/>
+              <a:headEnd/>
+              <a:tailEnd/>
+            </a:ln>
+            <a:effectLst/>
+          </p:spPr>
+        </p:pic>
+      </p:grpSp>
+      <p:sp>
+        <p:nvSpPr>
+          <p:cNvPr id="2" name="Title 1"/>
           <p:cNvSpPr>
             <a:spLocks noGrp="1"/>
           </p:cNvSpPr>
@@ -4261,40 +7180,191 @@
             <p:ph type="title"/>
           </p:nvPr>
         </p:nvSpPr>
-        <p:spPr/>
+        <p:spPr>
+          <a:xfrm>
+            <a:off x="-152400" y="-228600"/>
+            <a:ext cx="3124200" cy="1143000"/>
+          </a:xfrm>
+        </p:spPr>
         <p:txBody>
           <a:bodyPr/>
           <a:lstStyle/>
           <a:p>
-            <a:pPr eaLnBrk="1" hangingPunct="1"/>
-            <a:r>
-              <a:rPr lang="en-GB" altLang="en-US" smtClean="0"/>
-              <a:t>Questions/Discussion</a:t>
-            </a:r>
-          </a:p>
-        </p:txBody>
-      </p:sp>
-      <p:sp>
-        <p:nvSpPr>
-          <p:cNvPr id="13315" name="Content Placeholder 2"/>
-          <p:cNvSpPr>
-            <a:spLocks noGrp="1"/>
-          </p:cNvSpPr>
-          <p:nvPr>
-            <p:ph idx="1"/>
-          </p:nvPr>
-        </p:nvSpPr>
-        <p:spPr/>
-        <p:txBody>
-          <a:bodyPr/>
+            <a:r>
+              <a:rPr lang="en-US" dirty="0" smtClean="0"/>
+              <a:t>Crossword</a:t>
+            </a:r>
+            <a:endParaRPr lang="en-US" dirty="0"/>
+          </a:p>
+        </p:txBody>
+      </p:sp>
+      <p:sp>
+        <p:nvSpPr>
+          <p:cNvPr id="7" name="TextBox 6"/>
+          <p:cNvSpPr txBox="1"/>
+          <p:nvPr/>
+        </p:nvSpPr>
+        <p:spPr>
+          <a:xfrm>
+            <a:off x="3657600" y="381000"/>
+            <a:ext cx="457200" cy="3139321"/>
+          </a:xfrm>
+          <a:prstGeom prst="rect">
+            <a:avLst/>
+          </a:prstGeom>
+          <a:noFill/>
+        </p:spPr>
+        <p:txBody>
+          <a:bodyPr wrap="square" rtlCol="0">
+            <a:spAutoFit/>
+          </a:bodyPr>
           <a:lstStyle/>
           <a:p>
-            <a:pPr eaLnBrk="1" hangingPunct="1"/>
-            <a:endParaRPr lang="en-GB" altLang="en-US" smtClean="0"/>
+            <a:r>
+              <a:rPr lang="en-US" sz="2200" b="1" dirty="0" smtClean="0">
+                <a:solidFill>
+                  <a:srgbClr val="FF0000"/>
+                </a:solidFill>
+              </a:rPr>
+              <a:t>s</a:t>
+            </a:r>
+          </a:p>
+          <a:p>
+            <a:r>
+              <a:rPr lang="en-US" sz="2200" b="1" dirty="0" smtClean="0">
+                <a:solidFill>
+                  <a:srgbClr val="FF0000"/>
+                </a:solidFill>
+              </a:rPr>
+              <a:t>e</a:t>
+            </a:r>
+          </a:p>
+          <a:p>
+            <a:r>
+              <a:rPr lang="en-US" sz="2200" b="1" dirty="0" smtClean="0">
+                <a:solidFill>
+                  <a:srgbClr val="FF0000"/>
+                </a:solidFill>
+              </a:rPr>
+              <a:t>m</a:t>
+            </a:r>
+          </a:p>
+          <a:p>
+            <a:r>
+              <a:rPr lang="en-US" sz="2200" b="1" dirty="0" err="1" smtClean="0">
+                <a:solidFill>
+                  <a:srgbClr val="FF0000"/>
+                </a:solidFill>
+              </a:rPr>
+              <a:t>i</a:t>
+            </a:r>
+            <a:endParaRPr lang="en-US" sz="2200" b="1" dirty="0" smtClean="0">
+              <a:solidFill>
+                <a:srgbClr val="FF0000"/>
+              </a:solidFill>
+            </a:endParaRPr>
+          </a:p>
+          <a:p>
+            <a:r>
+              <a:rPr lang="en-US" sz="2200" b="1" dirty="0" smtClean="0">
+                <a:solidFill>
+                  <a:srgbClr val="FF0000"/>
+                </a:solidFill>
+              </a:rPr>
+              <a:t>c</a:t>
+            </a:r>
+          </a:p>
+          <a:p>
+            <a:r>
+              <a:rPr lang="en-US" sz="2200" b="1" dirty="0" smtClean="0">
+                <a:solidFill>
+                  <a:srgbClr val="FF0000"/>
+                </a:solidFill>
+              </a:rPr>
+              <a:t>o</a:t>
+            </a:r>
+          </a:p>
+          <a:p>
+            <a:r>
+              <a:rPr lang="en-US" sz="2200" b="1" dirty="0" smtClean="0">
+                <a:solidFill>
+                  <a:srgbClr val="FF0000"/>
+                </a:solidFill>
+              </a:rPr>
+              <a:t>l</a:t>
+            </a:r>
+          </a:p>
+          <a:p>
+            <a:r>
+              <a:rPr lang="en-US" sz="2200" b="1" dirty="0" smtClean="0">
+                <a:solidFill>
+                  <a:srgbClr val="FF0000"/>
+                </a:solidFill>
+              </a:rPr>
+              <a:t>o</a:t>
+            </a:r>
+          </a:p>
+          <a:p>
+            <a:r>
+              <a:rPr lang="en-US" sz="2200" b="1" dirty="0" smtClean="0">
+                <a:solidFill>
+                  <a:srgbClr val="FF0000"/>
+                </a:solidFill>
+              </a:rPr>
+              <a:t>n</a:t>
+            </a:r>
+            <a:endParaRPr lang="en-US" sz="2200" b="1" dirty="0">
+              <a:solidFill>
+                <a:srgbClr val="FF0000"/>
+              </a:solidFill>
+            </a:endParaRPr>
+          </a:p>
+        </p:txBody>
+      </p:sp>
+      <p:sp>
+        <p:nvSpPr>
+          <p:cNvPr id="8" name="TextBox 7"/>
+          <p:cNvSpPr txBox="1"/>
+          <p:nvPr/>
+        </p:nvSpPr>
+        <p:spPr>
+          <a:xfrm>
+            <a:off x="4038600" y="1066800"/>
+            <a:ext cx="1830950" cy="430887"/>
+          </a:xfrm>
+          <a:prstGeom prst="rect">
+            <a:avLst/>
+          </a:prstGeom>
+          <a:noFill/>
+        </p:spPr>
+        <p:txBody>
+          <a:bodyPr wrap="none" rtlCol="0">
+            <a:spAutoFit/>
+          </a:bodyPr>
+          <a:lstStyle/>
+          <a:p>
+            <a:r>
+              <a:rPr lang="en-US" sz="2200" b="1" dirty="0" smtClean="0">
+                <a:solidFill>
+                  <a:srgbClr val="FF0000"/>
+                </a:solidFill>
+              </a:rPr>
+              <a:t>o  d  u   l   u  s</a:t>
+            </a:r>
+            <a:endParaRPr lang="en-US" sz="2200" b="1" dirty="0">
+              <a:solidFill>
+                <a:srgbClr val="FF0000"/>
+              </a:solidFill>
+            </a:endParaRPr>
           </a:p>
         </p:txBody>
       </p:sp>
     </p:spTree>
+    <p:extLst>
+      <p:ext uri="{BB962C8B-B14F-4D97-AF65-F5344CB8AC3E}">
+        <p14:creationId xmlns:p14="http://schemas.microsoft.com/office/powerpoint/2010/main" val="2866204939"/>
+      </p:ext>
+    </p:extLst>
   </p:cSld>
   <p:clrMapOvr>
     <a:masterClrMapping/>
@@ -4306,6 +7376,555 @@
       </p:par>
     </p:tnLst>
   </p:timing>
+</p:sld>
+</file>
+
+<file path=ppt/slides/slide7.xml><?xml version="1.0" encoding="utf-8"?>
+<p:sld xmlns:a="http://schemas.openxmlformats.org/drawingml/2006/main" xmlns:r="http://schemas.openxmlformats.org/officeDocument/2006/relationships" xmlns:p="http://schemas.openxmlformats.org/presentationml/2006/main">
+  <p:cSld>
+    <p:spTree>
+      <p:nvGrpSpPr>
+        <p:cNvPr id="1" name=""/>
+        <p:cNvGrpSpPr/>
+        <p:nvPr/>
+      </p:nvGrpSpPr>
+      <p:grpSpPr>
+        <a:xfrm>
+          <a:off x="0" y="0"/>
+          <a:ext cx="0" cy="0"/>
+          <a:chOff x="0" y="0"/>
+          <a:chExt cx="0" cy="0"/>
+        </a:xfrm>
+      </p:grpSpPr>
+      <p:sp>
+        <p:nvSpPr>
+          <p:cNvPr id="2" name="Title 1"/>
+          <p:cNvSpPr>
+            <a:spLocks noGrp="1"/>
+          </p:cNvSpPr>
+          <p:nvPr>
+            <p:ph type="title"/>
+          </p:nvPr>
+        </p:nvSpPr>
+        <p:spPr>
+          <a:xfrm>
+            <a:off x="685800" y="228600"/>
+            <a:ext cx="7772400" cy="1143000"/>
+          </a:xfrm>
+        </p:spPr>
+        <p:txBody>
+          <a:bodyPr/>
+          <a:lstStyle/>
+          <a:p>
+            <a:r>
+              <a:rPr lang="en-GB" dirty="0" smtClean="0"/>
+              <a:t>Crossword</a:t>
+            </a:r>
+            <a:endParaRPr lang="en-GB" dirty="0"/>
+          </a:p>
+        </p:txBody>
+      </p:sp>
+      <p:sp>
+        <p:nvSpPr>
+          <p:cNvPr id="3" name="Content Placeholder 2"/>
+          <p:cNvSpPr>
+            <a:spLocks noGrp="1"/>
+          </p:cNvSpPr>
+          <p:nvPr>
+            <p:ph idx="1"/>
+          </p:nvPr>
+        </p:nvSpPr>
+        <p:spPr>
+          <a:xfrm>
+            <a:off x="685800" y="1447800"/>
+            <a:ext cx="7772400" cy="4114800"/>
+          </a:xfrm>
+        </p:spPr>
+        <p:txBody>
+          <a:bodyPr/>
+          <a:lstStyle/>
+          <a:p>
+            <a:r>
+              <a:rPr lang="en-GB" dirty="0" smtClean="0"/>
+              <a:t>Show me today</a:t>
+            </a:r>
+          </a:p>
+          <a:p>
+            <a:r>
+              <a:rPr lang="en-GB" dirty="0" smtClean="0"/>
+              <a:t>Record how many you found</a:t>
+            </a:r>
+            <a:endParaRPr lang="en-GB" dirty="0"/>
+          </a:p>
+        </p:txBody>
+      </p:sp>
+      <p:grpSp>
+        <p:nvGrpSpPr>
+          <p:cNvPr id="4" name="Group 3"/>
+          <p:cNvGrpSpPr/>
+          <p:nvPr/>
+        </p:nvGrpSpPr>
+        <p:grpSpPr>
+          <a:xfrm>
+            <a:off x="2286000" y="2895600"/>
+            <a:ext cx="4343400" cy="3328551"/>
+            <a:chOff x="0" y="0"/>
+            <a:chExt cx="8948951" cy="6858000"/>
+          </a:xfrm>
+        </p:grpSpPr>
+        <p:pic>
+          <p:nvPicPr>
+            <p:cNvPr id="5" name="Picture 4"/>
+            <p:cNvPicPr>
+              <a:picLocks noChangeAspect="1" noChangeArrowheads="1"/>
+            </p:cNvPicPr>
+            <p:nvPr/>
+          </p:nvPicPr>
+          <p:blipFill>
+            <a:blip r:embed="rId2"/>
+            <a:srcRect/>
+            <a:stretch>
+              <a:fillRect/>
+            </a:stretch>
+          </p:blipFill>
+          <p:spPr bwMode="auto">
+            <a:xfrm>
+              <a:off x="5943600" y="0"/>
+              <a:ext cx="2857500" cy="3214688"/>
+            </a:xfrm>
+            <a:prstGeom prst="rect">
+              <a:avLst/>
+            </a:prstGeom>
+            <a:noFill/>
+            <a:ln w="9525">
+              <a:noFill/>
+              <a:miter lim="800000"/>
+              <a:headEnd/>
+              <a:tailEnd/>
+            </a:ln>
+            <a:effectLst/>
+          </p:spPr>
+        </p:pic>
+        <p:pic>
+          <p:nvPicPr>
+            <p:cNvPr id="6" name="Picture 3"/>
+            <p:cNvPicPr>
+              <a:picLocks noChangeAspect="1" noChangeArrowheads="1"/>
+            </p:cNvPicPr>
+            <p:nvPr/>
+          </p:nvPicPr>
+          <p:blipFill>
+            <a:blip r:embed="rId3"/>
+            <a:srcRect/>
+            <a:stretch>
+              <a:fillRect/>
+            </a:stretch>
+          </p:blipFill>
+          <p:spPr bwMode="auto">
+            <a:xfrm>
+              <a:off x="5867400" y="3124200"/>
+              <a:ext cx="3081551" cy="3724275"/>
+            </a:xfrm>
+            <a:prstGeom prst="rect">
+              <a:avLst/>
+            </a:prstGeom>
+            <a:noFill/>
+            <a:ln w="9525">
+              <a:noFill/>
+              <a:miter lim="800000"/>
+              <a:headEnd/>
+              <a:tailEnd/>
+            </a:ln>
+            <a:effectLst/>
+          </p:spPr>
+        </p:pic>
+        <p:pic>
+          <p:nvPicPr>
+            <p:cNvPr id="7" name="Picture 2"/>
+            <p:cNvPicPr>
+              <a:picLocks noChangeAspect="1" noChangeArrowheads="1"/>
+            </p:cNvPicPr>
+            <p:nvPr/>
+          </p:nvPicPr>
+          <p:blipFill>
+            <a:blip r:embed="rId4"/>
+            <a:srcRect/>
+            <a:stretch>
+              <a:fillRect/>
+            </a:stretch>
+          </p:blipFill>
+          <p:spPr bwMode="auto">
+            <a:xfrm>
+              <a:off x="0" y="361950"/>
+              <a:ext cx="5905500" cy="6496050"/>
+            </a:xfrm>
+            <a:prstGeom prst="rect">
+              <a:avLst/>
+            </a:prstGeom>
+            <a:noFill/>
+            <a:ln w="9525">
+              <a:noFill/>
+              <a:miter lim="800000"/>
+              <a:headEnd/>
+              <a:tailEnd/>
+            </a:ln>
+            <a:effectLst/>
+          </p:spPr>
+        </p:pic>
+      </p:grpSp>
+    </p:spTree>
+    <p:extLst>
+      <p:ext uri="{BB962C8B-B14F-4D97-AF65-F5344CB8AC3E}">
+        <p14:creationId xmlns:p14="http://schemas.microsoft.com/office/powerpoint/2010/main" val="2710250107"/>
+      </p:ext>
+    </p:extLst>
+  </p:cSld>
+  <p:clrMapOvr>
+    <a:masterClrMapping/>
+  </p:clrMapOvr>
+</p:sld>
+</file>
+
+<file path=ppt/slides/slide8.xml><?xml version="1.0" encoding="utf-8"?>
+<p:sld xmlns:a="http://schemas.openxmlformats.org/drawingml/2006/main" xmlns:r="http://schemas.openxmlformats.org/officeDocument/2006/relationships" xmlns:p="http://schemas.openxmlformats.org/presentationml/2006/main">
+  <p:cSld>
+    <p:spTree>
+      <p:nvGrpSpPr>
+        <p:cNvPr id="1" name=""/>
+        <p:cNvGrpSpPr/>
+        <p:nvPr/>
+      </p:nvGrpSpPr>
+      <p:grpSpPr>
+        <a:xfrm>
+          <a:off x="0" y="0"/>
+          <a:ext cx="0" cy="0"/>
+          <a:chOff x="0" y="0"/>
+          <a:chExt cx="0" cy="0"/>
+        </a:xfrm>
+      </p:grpSpPr>
+      <p:sp>
+        <p:nvSpPr>
+          <p:cNvPr id="2" name="Title 1"/>
+          <p:cNvSpPr>
+            <a:spLocks noGrp="1"/>
+          </p:cNvSpPr>
+          <p:nvPr>
+            <p:ph type="title"/>
+          </p:nvPr>
+        </p:nvSpPr>
+        <p:spPr/>
+        <p:txBody>
+          <a:bodyPr/>
+          <a:lstStyle/>
+          <a:p>
+            <a:r>
+              <a:rPr lang="en-GB" dirty="0"/>
+              <a:t>The Java I/O System</a:t>
+            </a:r>
+          </a:p>
+        </p:txBody>
+      </p:sp>
+      <p:sp>
+        <p:nvSpPr>
+          <p:cNvPr id="3" name="Content Placeholder 2"/>
+          <p:cNvSpPr>
+            <a:spLocks noGrp="1"/>
+          </p:cNvSpPr>
+          <p:nvPr>
+            <p:ph idx="1"/>
+          </p:nvPr>
+        </p:nvSpPr>
+        <p:spPr>
+          <a:xfrm>
+            <a:off x="685800" y="1981200"/>
+            <a:ext cx="7772400" cy="4343400"/>
+          </a:xfrm>
+        </p:spPr>
+        <p:txBody>
+          <a:bodyPr>
+            <a:normAutofit fontScale="77500" lnSpcReduction="20000"/>
+          </a:bodyPr>
+          <a:lstStyle/>
+          <a:p>
+            <a:r>
+              <a:rPr lang="en-GB" dirty="0"/>
+              <a:t> Binary I/O streams </a:t>
+            </a:r>
+            <a:endParaRPr lang="en-GB" dirty="0" smtClean="0"/>
+          </a:p>
+          <a:p>
+            <a:pPr lvl="1"/>
+            <a:r>
+              <a:rPr lang="en-GB" dirty="0" err="1" smtClean="0"/>
+              <a:t>InputStream</a:t>
+            </a:r>
+            <a:endParaRPr lang="en-GB" dirty="0"/>
+          </a:p>
+          <a:p>
+            <a:pPr lvl="1"/>
+            <a:r>
+              <a:rPr lang="en-GB" dirty="0" err="1" smtClean="0"/>
+              <a:t>OutputStream</a:t>
+            </a:r>
+            <a:endParaRPr lang="en-GB" dirty="0"/>
+          </a:p>
+          <a:p>
+            <a:r>
+              <a:rPr lang="en-GB" dirty="0" smtClean="0"/>
+              <a:t>The </a:t>
+            </a:r>
+            <a:r>
+              <a:rPr lang="en-GB" dirty="0"/>
+              <a:t>decorator design pattern</a:t>
+            </a:r>
+          </a:p>
+          <a:p>
+            <a:r>
+              <a:rPr lang="en-GB" dirty="0" smtClean="0"/>
+              <a:t>Character </a:t>
+            </a:r>
+            <a:r>
+              <a:rPr lang="en-GB" dirty="0"/>
+              <a:t>I/O streams (Unicode, 16 bits)</a:t>
+            </a:r>
+          </a:p>
+          <a:p>
+            <a:pPr lvl="1"/>
+            <a:r>
+              <a:rPr lang="en-GB" dirty="0" smtClean="0"/>
+              <a:t>Reader</a:t>
+            </a:r>
+            <a:endParaRPr lang="en-GB" dirty="0"/>
+          </a:p>
+          <a:p>
+            <a:pPr lvl="1"/>
+            <a:r>
+              <a:rPr lang="en-GB" dirty="0" smtClean="0"/>
+              <a:t>Writer</a:t>
+            </a:r>
+            <a:endParaRPr lang="en-GB" dirty="0"/>
+          </a:p>
+          <a:p>
+            <a:r>
+              <a:rPr lang="en-GB" dirty="0" smtClean="0"/>
+              <a:t>Comparing </a:t>
+            </a:r>
+            <a:r>
+              <a:rPr lang="en-GB" dirty="0"/>
+              <a:t>Binary I/O to Character I/O</a:t>
+            </a:r>
+          </a:p>
+          <a:p>
+            <a:r>
+              <a:rPr lang="en-GB" dirty="0" smtClean="0"/>
+              <a:t>Files </a:t>
+            </a:r>
+            <a:r>
+              <a:rPr lang="en-GB" dirty="0"/>
+              <a:t>and directories</a:t>
+            </a:r>
+          </a:p>
+          <a:p>
+            <a:pPr lvl="1"/>
+            <a:r>
+              <a:rPr lang="en-GB" dirty="0" smtClean="0"/>
+              <a:t>The </a:t>
+            </a:r>
+            <a:r>
+              <a:rPr lang="en-GB" dirty="0"/>
+              <a:t>class File</a:t>
+            </a:r>
+          </a:p>
+          <a:p>
+            <a:r>
+              <a:rPr lang="en-GB" dirty="0" smtClean="0"/>
+              <a:t>Object </a:t>
+            </a:r>
+            <a:r>
+              <a:rPr lang="en-GB" dirty="0"/>
+              <a:t>Serialization</a:t>
+            </a:r>
+          </a:p>
+          <a:p>
+            <a:pPr lvl="1"/>
+            <a:r>
+              <a:rPr lang="en-GB" dirty="0" smtClean="0"/>
+              <a:t>Light-weight persistence</a:t>
+            </a:r>
+            <a:endParaRPr lang="en-GB" dirty="0"/>
+          </a:p>
+        </p:txBody>
+      </p:sp>
+    </p:spTree>
+    <p:extLst>
+      <p:ext uri="{BB962C8B-B14F-4D97-AF65-F5344CB8AC3E}">
+        <p14:creationId xmlns:p14="http://schemas.microsoft.com/office/powerpoint/2010/main" val="563476804"/>
+      </p:ext>
+    </p:extLst>
+  </p:cSld>
+  <p:clrMapOvr>
+    <a:masterClrMapping/>
+  </p:clrMapOvr>
+</p:sld>
+</file>
+
+<file path=ppt/slides/slide9.xml><?xml version="1.0" encoding="utf-8"?>
+<p:sld xmlns:a="http://schemas.openxmlformats.org/drawingml/2006/main" xmlns:r="http://schemas.openxmlformats.org/officeDocument/2006/relationships" xmlns:p="http://schemas.openxmlformats.org/presentationml/2006/main">
+  <p:cSld>
+    <p:spTree>
+      <p:nvGrpSpPr>
+        <p:cNvPr id="1" name=""/>
+        <p:cNvGrpSpPr/>
+        <p:nvPr/>
+      </p:nvGrpSpPr>
+      <p:grpSpPr>
+        <a:xfrm>
+          <a:off x="0" y="0"/>
+          <a:ext cx="0" cy="0"/>
+          <a:chOff x="0" y="0"/>
+          <a:chExt cx="0" cy="0"/>
+        </a:xfrm>
+      </p:grpSpPr>
+      <p:sp>
+        <p:nvSpPr>
+          <p:cNvPr id="2" name="Title 1"/>
+          <p:cNvSpPr>
+            <a:spLocks noGrp="1"/>
+          </p:cNvSpPr>
+          <p:nvPr>
+            <p:ph type="title"/>
+          </p:nvPr>
+        </p:nvSpPr>
+        <p:spPr/>
+        <p:txBody>
+          <a:bodyPr/>
+          <a:lstStyle/>
+          <a:p>
+            <a:r>
+              <a:rPr lang="en-GB" dirty="0" smtClean="0"/>
+              <a:t>I/O Systems</a:t>
+            </a:r>
+            <a:endParaRPr lang="en-GB" dirty="0"/>
+          </a:p>
+        </p:txBody>
+      </p:sp>
+      <p:sp>
+        <p:nvSpPr>
+          <p:cNvPr id="3" name="Content Placeholder 2"/>
+          <p:cNvSpPr>
+            <a:spLocks noGrp="1"/>
+          </p:cNvSpPr>
+          <p:nvPr>
+            <p:ph idx="1"/>
+          </p:nvPr>
+        </p:nvSpPr>
+        <p:spPr/>
+        <p:txBody>
+          <a:bodyPr>
+            <a:normAutofit fontScale="92500" lnSpcReduction="20000"/>
+          </a:bodyPr>
+          <a:lstStyle/>
+          <a:p>
+            <a:r>
+              <a:rPr lang="en-GB" dirty="0" smtClean="0"/>
+              <a:t>Abstraction </a:t>
+            </a:r>
+            <a:r>
+              <a:rPr lang="en-GB" dirty="0"/>
+              <a:t>of all types of I/O</a:t>
+            </a:r>
+          </a:p>
+          <a:p>
+            <a:pPr lvl="1"/>
+            <a:r>
+              <a:rPr lang="en-GB" dirty="0" smtClean="0"/>
+              <a:t>Memory</a:t>
+            </a:r>
+            <a:endParaRPr lang="en-GB" dirty="0"/>
+          </a:p>
+          <a:p>
+            <a:pPr lvl="1"/>
+            <a:r>
+              <a:rPr lang="en-GB" dirty="0" smtClean="0"/>
+              <a:t>File</a:t>
+            </a:r>
+            <a:endParaRPr lang="en-GB" dirty="0"/>
+          </a:p>
+          <a:p>
+            <a:pPr lvl="1"/>
+            <a:r>
+              <a:rPr lang="en-GB" dirty="0" smtClean="0"/>
+              <a:t>Directory</a:t>
+            </a:r>
+            <a:endParaRPr lang="en-GB" dirty="0"/>
+          </a:p>
+          <a:p>
+            <a:pPr lvl="1"/>
+            <a:r>
+              <a:rPr lang="en-GB" dirty="0" smtClean="0"/>
+              <a:t>Network</a:t>
+            </a:r>
+            <a:endParaRPr lang="en-GB" dirty="0"/>
+          </a:p>
+          <a:p>
+            <a:r>
+              <a:rPr lang="en-GB" dirty="0" smtClean="0"/>
+              <a:t>Express </a:t>
+            </a:r>
+            <a:r>
+              <a:rPr lang="en-GB" dirty="0"/>
+              <a:t>all configurations</a:t>
+            </a:r>
+          </a:p>
+          <a:p>
+            <a:pPr lvl="1"/>
+            <a:r>
+              <a:rPr lang="en-GB" dirty="0" smtClean="0"/>
+              <a:t>Character</a:t>
+            </a:r>
+            <a:r>
+              <a:rPr lang="en-GB" dirty="0"/>
+              <a:t>, binary, buffered, etc.</a:t>
+            </a:r>
+          </a:p>
+          <a:p>
+            <a:r>
+              <a:rPr lang="en-GB" dirty="0" smtClean="0"/>
+              <a:t>Different </a:t>
+            </a:r>
+            <a:r>
+              <a:rPr lang="en-GB" dirty="0"/>
+              <a:t>kinds of operations</a:t>
+            </a:r>
+          </a:p>
+          <a:p>
+            <a:pPr lvl="1"/>
+            <a:r>
+              <a:rPr lang="en-GB" dirty="0" smtClean="0"/>
+              <a:t>For example, Sequential</a:t>
+            </a:r>
+            <a:r>
+              <a:rPr lang="en-GB" dirty="0"/>
+              <a:t>, random access, by line, by </a:t>
+            </a:r>
+            <a:r>
+              <a:rPr lang="en-GB" dirty="0" smtClean="0"/>
+              <a:t>word</a:t>
+            </a:r>
+            <a:endParaRPr lang="en-GB" dirty="0"/>
+          </a:p>
+        </p:txBody>
+      </p:sp>
+    </p:spTree>
+    <p:extLst>
+      <p:ext uri="{BB962C8B-B14F-4D97-AF65-F5344CB8AC3E}">
+        <p14:creationId xmlns:p14="http://schemas.microsoft.com/office/powerpoint/2010/main" val="146812340"/>
+      </p:ext>
+    </p:extLst>
+  </p:cSld>
+  <p:clrMapOvr>
+    <a:masterClrMapping/>
+  </p:clrMapOvr>
 </p:sld>
 </file>
 

--- a/OOP/lectures/090--Common.Classes.pptx
+++ b/OOP/lectures/090--Common.Classes.pptx
@@ -1035,7 +1035,7 @@
               <a:pPr>
                 <a:defRPr/>
               </a:pPr>
-              <a:t>11/19/2017</a:t>
+              <a:t>11/20/2017</a:t>
             </a:fld>
             <a:endParaRPr lang="en-US" altLang="en-US"/>
           </a:p>
@@ -1269,7 +1269,7 @@
               <a:pPr>
                 <a:defRPr/>
               </a:pPr>
-              <a:t>11/19/2017</a:t>
+              <a:t>11/20/2017</a:t>
             </a:fld>
             <a:endParaRPr lang="en-US" altLang="en-US"/>
           </a:p>
@@ -2142,7 +2142,7 @@
               <a:pPr>
                 <a:defRPr/>
               </a:pPr>
-              <a:t>11/19/2017</a:t>
+              <a:t>11/20/2017</a:t>
             </a:fld>
             <a:endParaRPr lang="en-US" altLang="en-US"/>
           </a:p>
@@ -2291,7 +2291,7 @@
               <a:pPr>
                 <a:defRPr/>
               </a:pPr>
-              <a:t>11/19/2017</a:t>
+              <a:t>11/20/2017</a:t>
             </a:fld>
             <a:endParaRPr lang="en-US" altLang="en-US"/>
           </a:p>
@@ -2622,7 +2622,7 @@
               <a:pPr>
                 <a:defRPr/>
               </a:pPr>
-              <a:t>11/19/2017</a:t>
+              <a:t>11/20/2017</a:t>
             </a:fld>
             <a:endParaRPr lang="en-US" altLang="en-US"/>
           </a:p>
@@ -2930,7 +2930,7 @@
               <a:pPr>
                 <a:defRPr/>
               </a:pPr>
-              <a:t>11/19/2017</a:t>
+              <a:t>11/20/2017</a:t>
             </a:fld>
             <a:endParaRPr lang="en-US" altLang="en-US"/>
           </a:p>
@@ -5091,8 +5091,19 @@
           <a:p>
             <a:r>
               <a:rPr lang="en-GB" dirty="0"/>
-              <a:t>*Revision Week	[28/11/2017]	</a:t>
-            </a:r>
+              <a:t>*Revision Week	[28/11/2017</a:t>
+            </a:r>
+            <a:r>
+              <a:rPr lang="en-GB" dirty="0" smtClean="0"/>
+              <a:t>]</a:t>
+            </a:r>
+          </a:p>
+          <a:p>
+            <a:r>
+              <a:rPr lang="en-GB" dirty="0" smtClean="0"/>
+              <a:t>No lecture next week</a:t>
+            </a:r>
+            <a:endParaRPr lang="en-GB" dirty="0"/>
           </a:p>
         </p:txBody>
       </p:sp>
@@ -6360,11 +6371,7 @@
           <a:p>
             <a:r>
               <a:rPr lang="en-GB" smtClean="0"/>
-              <a:t>Chapter </a:t>
-            </a:r>
-            <a:r>
-              <a:rPr lang="en-GB" smtClean="0"/>
-              <a:t>24.1-24.3</a:t>
+              <a:t>Chapter 24.1-24.3</a:t>
             </a:r>
             <a:endParaRPr lang="en-GB" dirty="0" smtClean="0"/>
           </a:p>
@@ -6374,11 +6381,7 @@
           <a:p>
             <a:r>
               <a:rPr lang="en-GB" dirty="0" smtClean="0"/>
-              <a:t>Extended </a:t>
-            </a:r>
-            <a:r>
-              <a:rPr lang="en-GB" dirty="0" smtClean="0"/>
-              <a:t>Chapters</a:t>
+              <a:t>Extended Chapters</a:t>
             </a:r>
           </a:p>
           <a:p>
@@ -6490,8 +6493,27 @@
             <a:pPr eaLnBrk="1" hangingPunct="1"/>
             <a:r>
               <a:rPr lang="en-US" altLang="en-US" dirty="0" smtClean="0"/>
-              <a:t>Common Classes in Java</a:t>
-            </a:r>
+              <a:t>Common Classes in </a:t>
+            </a:r>
+            <a:r>
+              <a:rPr lang="en-US" altLang="en-US" dirty="0" smtClean="0"/>
+              <a:t>Java</a:t>
+            </a:r>
+          </a:p>
+          <a:p>
+            <a:pPr eaLnBrk="1" hangingPunct="1"/>
+            <a:r>
+              <a:rPr lang="en-US" altLang="en-US" dirty="0" smtClean="0"/>
+              <a:t>File Input/Output/Streams</a:t>
+            </a:r>
+          </a:p>
+          <a:p>
+            <a:pPr eaLnBrk="1" hangingPunct="1"/>
+            <a:r>
+              <a:rPr lang="en-US" altLang="en-US" dirty="0" smtClean="0"/>
+              <a:t>Sorting Data</a:t>
+            </a:r>
+            <a:endParaRPr lang="en-US" altLang="en-US" dirty="0" smtClean="0"/>
           </a:p>
           <a:p>
             <a:pPr eaLnBrk="1" hangingPunct="1"/>
